--- a/presentations/8 - The adventure begins.pptx
+++ b/presentations/8 - The adventure begins.pptx
@@ -265,7 +265,7 @@
           <a:p>
             <a:fld id="{F9F57C4A-2F7E-45A6-9631-DF8F6C2C902F}" type="datetimeFigureOut">
               <a:rPr lang="en-US" smtClean="0"/>
-              <a:t>10/23/2023</a:t>
+              <a:t>11/13/2023</a:t>
             </a:fld>
             <a:endParaRPr lang="en-US"/>
           </a:p>
@@ -463,7 +463,7 @@
           <a:p>
             <a:fld id="{F9F57C4A-2F7E-45A6-9631-DF8F6C2C902F}" type="datetimeFigureOut">
               <a:rPr lang="en-US" smtClean="0"/>
-              <a:t>10/23/2023</a:t>
+              <a:t>11/13/2023</a:t>
             </a:fld>
             <a:endParaRPr lang="en-US"/>
           </a:p>
@@ -671,7 +671,7 @@
           <a:p>
             <a:fld id="{F9F57C4A-2F7E-45A6-9631-DF8F6C2C902F}" type="datetimeFigureOut">
               <a:rPr lang="en-US" smtClean="0"/>
-              <a:t>10/23/2023</a:t>
+              <a:t>11/13/2023</a:t>
             </a:fld>
             <a:endParaRPr lang="en-US"/>
           </a:p>
@@ -869,7 +869,7 @@
           <a:p>
             <a:fld id="{F9F57C4A-2F7E-45A6-9631-DF8F6C2C902F}" type="datetimeFigureOut">
               <a:rPr lang="en-US" smtClean="0"/>
-              <a:t>10/23/2023</a:t>
+              <a:t>11/13/2023</a:t>
             </a:fld>
             <a:endParaRPr lang="en-US"/>
           </a:p>
@@ -1144,7 +1144,7 @@
           <a:p>
             <a:fld id="{F9F57C4A-2F7E-45A6-9631-DF8F6C2C902F}" type="datetimeFigureOut">
               <a:rPr lang="en-US" smtClean="0"/>
-              <a:t>10/23/2023</a:t>
+              <a:t>11/13/2023</a:t>
             </a:fld>
             <a:endParaRPr lang="en-US"/>
           </a:p>
@@ -1409,7 +1409,7 @@
           <a:p>
             <a:fld id="{F9F57C4A-2F7E-45A6-9631-DF8F6C2C902F}" type="datetimeFigureOut">
               <a:rPr lang="en-US" smtClean="0"/>
-              <a:t>10/23/2023</a:t>
+              <a:t>11/13/2023</a:t>
             </a:fld>
             <a:endParaRPr lang="en-US"/>
           </a:p>
@@ -1821,7 +1821,7 @@
           <a:p>
             <a:fld id="{F9F57C4A-2F7E-45A6-9631-DF8F6C2C902F}" type="datetimeFigureOut">
               <a:rPr lang="en-US" smtClean="0"/>
-              <a:t>10/23/2023</a:t>
+              <a:t>11/13/2023</a:t>
             </a:fld>
             <a:endParaRPr lang="en-US"/>
           </a:p>
@@ -1962,7 +1962,7 @@
           <a:p>
             <a:fld id="{F9F57C4A-2F7E-45A6-9631-DF8F6C2C902F}" type="datetimeFigureOut">
               <a:rPr lang="en-US" smtClean="0"/>
-              <a:t>10/23/2023</a:t>
+              <a:t>11/13/2023</a:t>
             </a:fld>
             <a:endParaRPr lang="en-US"/>
           </a:p>
@@ -2075,7 +2075,7 @@
           <a:p>
             <a:fld id="{F9F57C4A-2F7E-45A6-9631-DF8F6C2C902F}" type="datetimeFigureOut">
               <a:rPr lang="en-US" smtClean="0"/>
-              <a:t>10/23/2023</a:t>
+              <a:t>11/13/2023</a:t>
             </a:fld>
             <a:endParaRPr lang="en-US"/>
           </a:p>
@@ -2386,7 +2386,7 @@
           <a:p>
             <a:fld id="{F9F57C4A-2F7E-45A6-9631-DF8F6C2C902F}" type="datetimeFigureOut">
               <a:rPr lang="en-US" smtClean="0"/>
-              <a:t>10/23/2023</a:t>
+              <a:t>11/13/2023</a:t>
             </a:fld>
             <a:endParaRPr lang="en-US"/>
           </a:p>
@@ -2674,7 +2674,7 @@
           <a:p>
             <a:fld id="{F9F57C4A-2F7E-45A6-9631-DF8F6C2C902F}" type="datetimeFigureOut">
               <a:rPr lang="en-US" smtClean="0"/>
-              <a:t>10/23/2023</a:t>
+              <a:t>11/13/2023</a:t>
             </a:fld>
             <a:endParaRPr lang="en-US"/>
           </a:p>
@@ -2915,7 +2915,7 @@
           <a:p>
             <a:fld id="{F9F57C4A-2F7E-45A6-9631-DF8F6C2C902F}" type="datetimeFigureOut">
               <a:rPr lang="en-US" smtClean="0"/>
-              <a:t>10/23/2023</a:t>
+              <a:t>11/13/2023</a:t>
             </a:fld>
             <a:endParaRPr lang="en-US"/>
           </a:p>
@@ -6231,8 +6231,8 @@
         </p:nvSpPr>
         <p:spPr>
           <a:xfrm>
-            <a:off x="522110" y="324202"/>
-            <a:ext cx="10958689" cy="4981576"/>
+            <a:off x="522111" y="324202"/>
+            <a:ext cx="7304078" cy="4981576"/>
           </a:xfrm>
         </p:spPr>
         <p:txBody>
@@ -6322,6 +6322,78 @@
           </a:p>
         </p:txBody>
       </p:sp>
+      <p:pic>
+        <p:nvPicPr>
+          <p:cNvPr id="4" name="Picture 3" descr="A screenshot of a computer&#10;&#10;Description automatically generated">
+            <a:extLst>
+              <a:ext uri="{FF2B5EF4-FFF2-40B4-BE49-F238E27FC236}">
+                <a16:creationId xmlns:a16="http://schemas.microsoft.com/office/drawing/2014/main" id="{24543C96-6C8B-E3E9-0378-19203A054D02}"/>
+              </a:ext>
+            </a:extLst>
+          </p:cNvPr>
+          <p:cNvPicPr>
+            <a:picLocks noChangeAspect="1"/>
+          </p:cNvPicPr>
+          <p:nvPr/>
+        </p:nvPicPr>
+        <p:blipFill>
+          <a:blip r:embed="rId2">
+            <a:extLst>
+              <a:ext uri="{28A0092B-C50C-407E-A947-70E740481C1C}">
+                <a14:useLocalDpi xmlns:a14="http://schemas.microsoft.com/office/drawing/2010/main" val="0"/>
+              </a:ext>
+            </a:extLst>
+          </a:blip>
+          <a:stretch>
+            <a:fillRect/>
+          </a:stretch>
+        </p:blipFill>
+        <p:spPr>
+          <a:xfrm>
+            <a:off x="7328647" y="3792167"/>
+            <a:ext cx="4771699" cy="2892843"/>
+          </a:xfrm>
+          <a:prstGeom prst="rect">
+            <a:avLst/>
+          </a:prstGeom>
+        </p:spPr>
+      </p:pic>
+      <p:pic>
+        <p:nvPicPr>
+          <p:cNvPr id="6" name="Picture 5" descr="A screenshot of a computer&#10;&#10;Description automatically generated">
+            <a:extLst>
+              <a:ext uri="{FF2B5EF4-FFF2-40B4-BE49-F238E27FC236}">
+                <a16:creationId xmlns:a16="http://schemas.microsoft.com/office/drawing/2014/main" id="{20CDDD7C-38B9-D736-DC8F-9338ABF1398A}"/>
+              </a:ext>
+            </a:extLst>
+          </p:cNvPr>
+          <p:cNvPicPr>
+            <a:picLocks noChangeAspect="1"/>
+          </p:cNvPicPr>
+          <p:nvPr/>
+        </p:nvPicPr>
+        <p:blipFill>
+          <a:blip r:embed="rId3">
+            <a:extLst>
+              <a:ext uri="{28A0092B-C50C-407E-A947-70E740481C1C}">
+                <a14:useLocalDpi xmlns:a14="http://schemas.microsoft.com/office/drawing/2010/main" val="0"/>
+              </a:ext>
+            </a:extLst>
+          </a:blip>
+          <a:stretch>
+            <a:fillRect/>
+          </a:stretch>
+        </p:blipFill>
+        <p:spPr>
+          <a:xfrm>
+            <a:off x="7801570" y="228502"/>
+            <a:ext cx="4241991" cy="2892843"/>
+          </a:xfrm>
+          <a:prstGeom prst="rect">
+            <a:avLst/>
+          </a:prstGeom>
+        </p:spPr>
+      </p:pic>
     </p:spTree>
     <p:extLst>
       <p:ext uri="{BB962C8B-B14F-4D97-AF65-F5344CB8AC3E}">
@@ -6332,6 +6404,268 @@
   <p:clrMapOvr>
     <a:masterClrMapping/>
   </p:clrMapOvr>
+  <p:timing>
+    <p:tnLst>
+      <p:par>
+        <p:cTn id="1" dur="indefinite" restart="never" nodeType="tmRoot">
+          <p:childTnLst>
+            <p:seq concurrent="1" nextAc="seek">
+              <p:cTn id="2" dur="indefinite" nodeType="mainSeq">
+                <p:childTnLst>
+                  <p:par>
+                    <p:cTn id="3" fill="hold">
+                      <p:stCondLst>
+                        <p:cond delay="indefinite"/>
+                      </p:stCondLst>
+                      <p:childTnLst>
+                        <p:par>
+                          <p:cTn id="4" fill="hold">
+                            <p:stCondLst>
+                              <p:cond delay="0"/>
+                            </p:stCondLst>
+                            <p:childTnLst>
+                              <p:par>
+                                <p:cTn id="5" presetID="1" presetClass="entr" presetSubtype="0" fill="hold" nodeType="clickEffect">
+                                  <p:stCondLst>
+                                    <p:cond delay="0"/>
+                                  </p:stCondLst>
+                                  <p:childTnLst>
+                                    <p:set>
+                                      <p:cBhvr>
+                                        <p:cTn id="6" dur="1" fill="hold">
+                                          <p:stCondLst>
+                                            <p:cond delay="0"/>
+                                          </p:stCondLst>
+                                        </p:cTn>
+                                        <p:tgtEl>
+                                          <p:spTgt spid="6"/>
+                                        </p:tgtEl>
+                                        <p:attrNameLst>
+                                          <p:attrName>style.visibility</p:attrName>
+                                        </p:attrNameLst>
+                                      </p:cBhvr>
+                                      <p:to>
+                                        <p:strVal val="visible"/>
+                                      </p:to>
+                                    </p:set>
+                                  </p:childTnLst>
+                                </p:cTn>
+                              </p:par>
+                            </p:childTnLst>
+                          </p:cTn>
+                        </p:par>
+                      </p:childTnLst>
+                    </p:cTn>
+                  </p:par>
+                  <p:par>
+                    <p:cTn id="7" fill="hold">
+                      <p:stCondLst>
+                        <p:cond delay="indefinite"/>
+                      </p:stCondLst>
+                      <p:childTnLst>
+                        <p:par>
+                          <p:cTn id="8" fill="hold">
+                            <p:stCondLst>
+                              <p:cond delay="0"/>
+                            </p:stCondLst>
+                            <p:childTnLst>
+                              <p:par>
+                                <p:cTn id="9" presetID="1" presetClass="entr" presetSubtype="0" fill="hold" nodeType="clickEffect">
+                                  <p:stCondLst>
+                                    <p:cond delay="0"/>
+                                  </p:stCondLst>
+                                  <p:childTnLst>
+                                    <p:set>
+                                      <p:cBhvr>
+                                        <p:cTn id="10" dur="1" fill="hold">
+                                          <p:stCondLst>
+                                            <p:cond delay="0"/>
+                                          </p:stCondLst>
+                                        </p:cTn>
+                                        <p:tgtEl>
+                                          <p:spTgt spid="3">
+                                            <p:txEl>
+                                              <p:pRg st="6" end="6"/>
+                                            </p:txEl>
+                                          </p:spTgt>
+                                        </p:tgtEl>
+                                        <p:attrNameLst>
+                                          <p:attrName>style.visibility</p:attrName>
+                                        </p:attrNameLst>
+                                      </p:cBhvr>
+                                      <p:to>
+                                        <p:strVal val="visible"/>
+                                      </p:to>
+                                    </p:set>
+                                  </p:childTnLst>
+                                </p:cTn>
+                              </p:par>
+                              <p:par>
+                                <p:cTn id="11" presetID="1" presetClass="entr" presetSubtype="0" fill="hold" nodeType="withEffect">
+                                  <p:stCondLst>
+                                    <p:cond delay="0"/>
+                                  </p:stCondLst>
+                                  <p:childTnLst>
+                                    <p:set>
+                                      <p:cBhvr>
+                                        <p:cTn id="12" dur="1" fill="hold">
+                                          <p:stCondLst>
+                                            <p:cond delay="0"/>
+                                          </p:stCondLst>
+                                        </p:cTn>
+                                        <p:tgtEl>
+                                          <p:spTgt spid="3">
+                                            <p:txEl>
+                                              <p:pRg st="7" end="7"/>
+                                            </p:txEl>
+                                          </p:spTgt>
+                                        </p:tgtEl>
+                                        <p:attrNameLst>
+                                          <p:attrName>style.visibility</p:attrName>
+                                        </p:attrNameLst>
+                                      </p:cBhvr>
+                                      <p:to>
+                                        <p:strVal val="visible"/>
+                                      </p:to>
+                                    </p:set>
+                                  </p:childTnLst>
+                                </p:cTn>
+                              </p:par>
+                              <p:par>
+                                <p:cTn id="13" presetID="1" presetClass="entr" presetSubtype="0" fill="hold" nodeType="withEffect">
+                                  <p:stCondLst>
+                                    <p:cond delay="0"/>
+                                  </p:stCondLst>
+                                  <p:childTnLst>
+                                    <p:set>
+                                      <p:cBhvr>
+                                        <p:cTn id="14" dur="1" fill="hold">
+                                          <p:stCondLst>
+                                            <p:cond delay="0"/>
+                                          </p:stCondLst>
+                                        </p:cTn>
+                                        <p:tgtEl>
+                                          <p:spTgt spid="3">
+                                            <p:txEl>
+                                              <p:pRg st="8" end="8"/>
+                                            </p:txEl>
+                                          </p:spTgt>
+                                        </p:tgtEl>
+                                        <p:attrNameLst>
+                                          <p:attrName>style.visibility</p:attrName>
+                                        </p:attrNameLst>
+                                      </p:cBhvr>
+                                      <p:to>
+                                        <p:strVal val="visible"/>
+                                      </p:to>
+                                    </p:set>
+                                  </p:childTnLst>
+                                </p:cTn>
+                              </p:par>
+                              <p:par>
+                                <p:cTn id="15" presetID="1" presetClass="entr" presetSubtype="0" fill="hold" nodeType="withEffect">
+                                  <p:stCondLst>
+                                    <p:cond delay="0"/>
+                                  </p:stCondLst>
+                                  <p:childTnLst>
+                                    <p:set>
+                                      <p:cBhvr>
+                                        <p:cTn id="16" dur="1" fill="hold">
+                                          <p:stCondLst>
+                                            <p:cond delay="0"/>
+                                          </p:stCondLst>
+                                        </p:cTn>
+                                        <p:tgtEl>
+                                          <p:spTgt spid="3">
+                                            <p:txEl>
+                                              <p:pRg st="9" end="9"/>
+                                            </p:txEl>
+                                          </p:spTgt>
+                                        </p:tgtEl>
+                                        <p:attrNameLst>
+                                          <p:attrName>style.visibility</p:attrName>
+                                        </p:attrNameLst>
+                                      </p:cBhvr>
+                                      <p:to>
+                                        <p:strVal val="visible"/>
+                                      </p:to>
+                                    </p:set>
+                                  </p:childTnLst>
+                                </p:cTn>
+                              </p:par>
+                            </p:childTnLst>
+                          </p:cTn>
+                        </p:par>
+                      </p:childTnLst>
+                    </p:cTn>
+                  </p:par>
+                  <p:par>
+                    <p:cTn id="17" fill="hold">
+                      <p:stCondLst>
+                        <p:cond delay="indefinite"/>
+                      </p:stCondLst>
+                      <p:childTnLst>
+                        <p:par>
+                          <p:cTn id="18" fill="hold">
+                            <p:stCondLst>
+                              <p:cond delay="0"/>
+                            </p:stCondLst>
+                            <p:childTnLst>
+                              <p:par>
+                                <p:cTn id="19" presetID="1" presetClass="entr" presetSubtype="0" fill="hold" nodeType="clickEffect">
+                                  <p:stCondLst>
+                                    <p:cond delay="0"/>
+                                  </p:stCondLst>
+                                  <p:childTnLst>
+                                    <p:set>
+                                      <p:cBhvr>
+                                        <p:cTn id="20" dur="1" fill="hold">
+                                          <p:stCondLst>
+                                            <p:cond delay="0"/>
+                                          </p:stCondLst>
+                                        </p:cTn>
+                                        <p:tgtEl>
+                                          <p:spTgt spid="4"/>
+                                        </p:tgtEl>
+                                        <p:attrNameLst>
+                                          <p:attrName>style.visibility</p:attrName>
+                                        </p:attrNameLst>
+                                      </p:cBhvr>
+                                      <p:to>
+                                        <p:strVal val="visible"/>
+                                      </p:to>
+                                    </p:set>
+                                  </p:childTnLst>
+                                </p:cTn>
+                              </p:par>
+                            </p:childTnLst>
+                          </p:cTn>
+                        </p:par>
+                      </p:childTnLst>
+                    </p:cTn>
+                  </p:par>
+                </p:childTnLst>
+              </p:cTn>
+              <p:prevCondLst>
+                <p:cond evt="onPrev" delay="0">
+                  <p:tgtEl>
+                    <p:sldTgt/>
+                  </p:tgtEl>
+                </p:cond>
+              </p:prevCondLst>
+              <p:nextCondLst>
+                <p:cond evt="onNext" delay="0">
+                  <p:tgtEl>
+                    <p:sldTgt/>
+                  </p:tgtEl>
+                </p:cond>
+              </p:nextCondLst>
+            </p:seq>
+          </p:childTnLst>
+        </p:cTn>
+      </p:par>
+    </p:tnLst>
+  </p:timing>
 </p:sld>
 </file>
 

--- a/presentations/8 - The adventure begins.pptx
+++ b/presentations/8 - The adventure begins.pptx
@@ -4,6 +4,9 @@
   <p:sldMasterIdLst>
     <p:sldMasterId id="2147483648" r:id="rId1"/>
   </p:sldMasterIdLst>
+  <p:notesMasterIdLst>
+    <p:notesMasterId r:id="rId9"/>
+  </p:notesMasterIdLst>
   <p:sldIdLst>
     <p:sldId id="256" r:id="rId2"/>
     <p:sldId id="257" r:id="rId3"/>
@@ -118,6 +121,979 @@
 </p:presentation>
 </file>
 
+<file path=ppt/notesMasters/notesMaster1.xml><?xml version="1.0" encoding="utf-8"?>
+<p:notesMaster xmlns:a="http://schemas.openxmlformats.org/drawingml/2006/main" xmlns:r="http://schemas.openxmlformats.org/officeDocument/2006/relationships" xmlns:p="http://schemas.openxmlformats.org/presentationml/2006/main">
+  <p:cSld>
+    <p:bg>
+      <p:bgRef idx="1001">
+        <a:schemeClr val="bg1"/>
+      </p:bgRef>
+    </p:bg>
+    <p:spTree>
+      <p:nvGrpSpPr>
+        <p:cNvPr id="1" name=""/>
+        <p:cNvGrpSpPr/>
+        <p:nvPr/>
+      </p:nvGrpSpPr>
+      <p:grpSpPr>
+        <a:xfrm>
+          <a:off x="0" y="0"/>
+          <a:ext cx="0" cy="0"/>
+          <a:chOff x="0" y="0"/>
+          <a:chExt cx="0" cy="0"/>
+        </a:xfrm>
+      </p:grpSpPr>
+      <p:sp>
+        <p:nvSpPr>
+          <p:cNvPr id="2" name="Header Placeholder 1"/>
+          <p:cNvSpPr>
+            <a:spLocks noGrp="1"/>
+          </p:cNvSpPr>
+          <p:nvPr>
+            <p:ph type="hdr" sz="quarter"/>
+          </p:nvPr>
+        </p:nvSpPr>
+        <p:spPr>
+          <a:xfrm>
+            <a:off x="0" y="0"/>
+            <a:ext cx="2971800" cy="458788"/>
+          </a:xfrm>
+          <a:prstGeom prst="rect">
+            <a:avLst/>
+          </a:prstGeom>
+        </p:spPr>
+        <p:txBody>
+          <a:bodyPr vert="horz" lIns="91440" tIns="45720" rIns="91440" bIns="45720" rtlCol="0"/>
+          <a:lstStyle>
+            <a:lvl1pPr algn="l">
+              <a:defRPr sz="1200"/>
+            </a:lvl1pPr>
+          </a:lstStyle>
+          <a:p>
+            <a:endParaRPr lang="en-US"/>
+          </a:p>
+        </p:txBody>
+      </p:sp>
+      <p:sp>
+        <p:nvSpPr>
+          <p:cNvPr id="3" name="Date Placeholder 2"/>
+          <p:cNvSpPr>
+            <a:spLocks noGrp="1"/>
+          </p:cNvSpPr>
+          <p:nvPr>
+            <p:ph type="dt" idx="1"/>
+          </p:nvPr>
+        </p:nvSpPr>
+        <p:spPr>
+          <a:xfrm>
+            <a:off x="3884613" y="0"/>
+            <a:ext cx="2971800" cy="458788"/>
+          </a:xfrm>
+          <a:prstGeom prst="rect">
+            <a:avLst/>
+          </a:prstGeom>
+        </p:spPr>
+        <p:txBody>
+          <a:bodyPr vert="horz" lIns="91440" tIns="45720" rIns="91440" bIns="45720" rtlCol="0"/>
+          <a:lstStyle>
+            <a:lvl1pPr algn="r">
+              <a:defRPr sz="1200"/>
+            </a:lvl1pPr>
+          </a:lstStyle>
+          <a:p>
+            <a:fld id="{F66424AC-637E-4C16-A5EC-04F4842B5A71}" type="datetimeFigureOut">
+              <a:rPr lang="en-US" smtClean="0"/>
+              <a:t>11/14/2023</a:t>
+            </a:fld>
+            <a:endParaRPr lang="en-US"/>
+          </a:p>
+        </p:txBody>
+      </p:sp>
+      <p:sp>
+        <p:nvSpPr>
+          <p:cNvPr id="4" name="Slide Image Placeholder 3"/>
+          <p:cNvSpPr>
+            <a:spLocks noGrp="1" noRot="1" noChangeAspect="1"/>
+          </p:cNvSpPr>
+          <p:nvPr>
+            <p:ph type="sldImg" idx="2"/>
+          </p:nvPr>
+        </p:nvSpPr>
+        <p:spPr>
+          <a:xfrm>
+            <a:off x="685800" y="1143000"/>
+            <a:ext cx="5486400" cy="3086100"/>
+          </a:xfrm>
+          <a:prstGeom prst="rect">
+            <a:avLst/>
+          </a:prstGeom>
+          <a:noFill/>
+          <a:ln w="12700">
+            <a:solidFill>
+              <a:prstClr val="black"/>
+            </a:solidFill>
+          </a:ln>
+        </p:spPr>
+        <p:txBody>
+          <a:bodyPr vert="horz" lIns="91440" tIns="45720" rIns="91440" bIns="45720" rtlCol="0" anchor="ctr"/>
+          <a:lstStyle/>
+          <a:p>
+            <a:endParaRPr lang="en-US"/>
+          </a:p>
+        </p:txBody>
+      </p:sp>
+      <p:sp>
+        <p:nvSpPr>
+          <p:cNvPr id="5" name="Notes Placeholder 4"/>
+          <p:cNvSpPr>
+            <a:spLocks noGrp="1"/>
+          </p:cNvSpPr>
+          <p:nvPr>
+            <p:ph type="body" sz="quarter" idx="3"/>
+          </p:nvPr>
+        </p:nvSpPr>
+        <p:spPr>
+          <a:xfrm>
+            <a:off x="685800" y="4400550"/>
+            <a:ext cx="5486400" cy="3600450"/>
+          </a:xfrm>
+          <a:prstGeom prst="rect">
+            <a:avLst/>
+          </a:prstGeom>
+        </p:spPr>
+        <p:txBody>
+          <a:bodyPr vert="horz" lIns="91440" tIns="45720" rIns="91440" bIns="45720" rtlCol="0"/>
+          <a:lstStyle/>
+          <a:p>
+            <a:pPr lvl="0"/>
+            <a:r>
+              <a:rPr lang="en-US"/>
+              <a:t>Click to edit Master text styles</a:t>
+            </a:r>
+          </a:p>
+          <a:p>
+            <a:pPr lvl="1"/>
+            <a:r>
+              <a:rPr lang="en-US"/>
+              <a:t>Second level</a:t>
+            </a:r>
+          </a:p>
+          <a:p>
+            <a:pPr lvl="2"/>
+            <a:r>
+              <a:rPr lang="en-US"/>
+              <a:t>Third level</a:t>
+            </a:r>
+          </a:p>
+          <a:p>
+            <a:pPr lvl="3"/>
+            <a:r>
+              <a:rPr lang="en-US"/>
+              <a:t>Fourth level</a:t>
+            </a:r>
+          </a:p>
+          <a:p>
+            <a:pPr lvl="4"/>
+            <a:r>
+              <a:rPr lang="en-US"/>
+              <a:t>Fifth level</a:t>
+            </a:r>
+          </a:p>
+        </p:txBody>
+      </p:sp>
+      <p:sp>
+        <p:nvSpPr>
+          <p:cNvPr id="6" name="Footer Placeholder 5"/>
+          <p:cNvSpPr>
+            <a:spLocks noGrp="1"/>
+          </p:cNvSpPr>
+          <p:nvPr>
+            <p:ph type="ftr" sz="quarter" idx="4"/>
+          </p:nvPr>
+        </p:nvSpPr>
+        <p:spPr>
+          <a:xfrm>
+            <a:off x="0" y="8685213"/>
+            <a:ext cx="2971800" cy="458787"/>
+          </a:xfrm>
+          <a:prstGeom prst="rect">
+            <a:avLst/>
+          </a:prstGeom>
+        </p:spPr>
+        <p:txBody>
+          <a:bodyPr vert="horz" lIns="91440" tIns="45720" rIns="91440" bIns="45720" rtlCol="0" anchor="b"/>
+          <a:lstStyle>
+            <a:lvl1pPr algn="l">
+              <a:defRPr sz="1200"/>
+            </a:lvl1pPr>
+          </a:lstStyle>
+          <a:p>
+            <a:endParaRPr lang="en-US"/>
+          </a:p>
+        </p:txBody>
+      </p:sp>
+      <p:sp>
+        <p:nvSpPr>
+          <p:cNvPr id="7" name="Slide Number Placeholder 6"/>
+          <p:cNvSpPr>
+            <a:spLocks noGrp="1"/>
+          </p:cNvSpPr>
+          <p:nvPr>
+            <p:ph type="sldNum" sz="quarter" idx="5"/>
+          </p:nvPr>
+        </p:nvSpPr>
+        <p:spPr>
+          <a:xfrm>
+            <a:off x="3884613" y="8685213"/>
+            <a:ext cx="2971800" cy="458787"/>
+          </a:xfrm>
+          <a:prstGeom prst="rect">
+            <a:avLst/>
+          </a:prstGeom>
+        </p:spPr>
+        <p:txBody>
+          <a:bodyPr vert="horz" lIns="91440" tIns="45720" rIns="91440" bIns="45720" rtlCol="0" anchor="b"/>
+          <a:lstStyle>
+            <a:lvl1pPr algn="r">
+              <a:defRPr sz="1200"/>
+            </a:lvl1pPr>
+          </a:lstStyle>
+          <a:p>
+            <a:fld id="{C7D661A2-F486-4536-9EC3-8F3D924AC42C}" type="slidenum">
+              <a:rPr lang="en-US" smtClean="0"/>
+              <a:t>‹#›</a:t>
+            </a:fld>
+            <a:endParaRPr lang="en-US"/>
+          </a:p>
+        </p:txBody>
+      </p:sp>
+    </p:spTree>
+    <p:extLst>
+      <p:ext uri="{BB962C8B-B14F-4D97-AF65-F5344CB8AC3E}">
+        <p14:creationId xmlns:p14="http://schemas.microsoft.com/office/powerpoint/2010/main" val="1353955708"/>
+      </p:ext>
+    </p:extLst>
+  </p:cSld>
+  <p:clrMap bg1="lt1" tx1="dk1" bg2="lt2" tx2="dk2" accent1="accent1" accent2="accent2" accent3="accent3" accent4="accent4" accent5="accent5" accent6="accent6" hlink="hlink" folHlink="folHlink"/>
+  <p:notesStyle>
+    <a:lvl1pPr marL="0" algn="l" defTabSz="914400" rtl="0" eaLnBrk="1" latinLnBrk="0" hangingPunct="1">
+      <a:defRPr sz="1200" kern="1200">
+        <a:solidFill>
+          <a:schemeClr val="tx1"/>
+        </a:solidFill>
+        <a:latin typeface="+mn-lt"/>
+        <a:ea typeface="+mn-ea"/>
+        <a:cs typeface="+mn-cs"/>
+      </a:defRPr>
+    </a:lvl1pPr>
+    <a:lvl2pPr marL="457200" algn="l" defTabSz="914400" rtl="0" eaLnBrk="1" latinLnBrk="0" hangingPunct="1">
+      <a:defRPr sz="1200" kern="1200">
+        <a:solidFill>
+          <a:schemeClr val="tx1"/>
+        </a:solidFill>
+        <a:latin typeface="+mn-lt"/>
+        <a:ea typeface="+mn-ea"/>
+        <a:cs typeface="+mn-cs"/>
+      </a:defRPr>
+    </a:lvl2pPr>
+    <a:lvl3pPr marL="914400" algn="l" defTabSz="914400" rtl="0" eaLnBrk="1" latinLnBrk="0" hangingPunct="1">
+      <a:defRPr sz="1200" kern="1200">
+        <a:solidFill>
+          <a:schemeClr val="tx1"/>
+        </a:solidFill>
+        <a:latin typeface="+mn-lt"/>
+        <a:ea typeface="+mn-ea"/>
+        <a:cs typeface="+mn-cs"/>
+      </a:defRPr>
+    </a:lvl3pPr>
+    <a:lvl4pPr marL="1371600" algn="l" defTabSz="914400" rtl="0" eaLnBrk="1" latinLnBrk="0" hangingPunct="1">
+      <a:defRPr sz="1200" kern="1200">
+        <a:solidFill>
+          <a:schemeClr val="tx1"/>
+        </a:solidFill>
+        <a:latin typeface="+mn-lt"/>
+        <a:ea typeface="+mn-ea"/>
+        <a:cs typeface="+mn-cs"/>
+      </a:defRPr>
+    </a:lvl4pPr>
+    <a:lvl5pPr marL="1828800" algn="l" defTabSz="914400" rtl="0" eaLnBrk="1" latinLnBrk="0" hangingPunct="1">
+      <a:defRPr sz="1200" kern="1200">
+        <a:solidFill>
+          <a:schemeClr val="tx1"/>
+        </a:solidFill>
+        <a:latin typeface="+mn-lt"/>
+        <a:ea typeface="+mn-ea"/>
+        <a:cs typeface="+mn-cs"/>
+      </a:defRPr>
+    </a:lvl5pPr>
+    <a:lvl6pPr marL="2286000" algn="l" defTabSz="914400" rtl="0" eaLnBrk="1" latinLnBrk="0" hangingPunct="1">
+      <a:defRPr sz="1200" kern="1200">
+        <a:solidFill>
+          <a:schemeClr val="tx1"/>
+        </a:solidFill>
+        <a:latin typeface="+mn-lt"/>
+        <a:ea typeface="+mn-ea"/>
+        <a:cs typeface="+mn-cs"/>
+      </a:defRPr>
+    </a:lvl6pPr>
+    <a:lvl7pPr marL="2743200" algn="l" defTabSz="914400" rtl="0" eaLnBrk="1" latinLnBrk="0" hangingPunct="1">
+      <a:defRPr sz="1200" kern="1200">
+        <a:solidFill>
+          <a:schemeClr val="tx1"/>
+        </a:solidFill>
+        <a:latin typeface="+mn-lt"/>
+        <a:ea typeface="+mn-ea"/>
+        <a:cs typeface="+mn-cs"/>
+      </a:defRPr>
+    </a:lvl7pPr>
+    <a:lvl8pPr marL="3200400" algn="l" defTabSz="914400" rtl="0" eaLnBrk="1" latinLnBrk="0" hangingPunct="1">
+      <a:defRPr sz="1200" kern="1200">
+        <a:solidFill>
+          <a:schemeClr val="tx1"/>
+        </a:solidFill>
+        <a:latin typeface="+mn-lt"/>
+        <a:ea typeface="+mn-ea"/>
+        <a:cs typeface="+mn-cs"/>
+      </a:defRPr>
+    </a:lvl8pPr>
+    <a:lvl9pPr marL="3657600" algn="l" defTabSz="914400" rtl="0" eaLnBrk="1" latinLnBrk="0" hangingPunct="1">
+      <a:defRPr sz="1200" kern="1200">
+        <a:solidFill>
+          <a:schemeClr val="tx1"/>
+        </a:solidFill>
+        <a:latin typeface="+mn-lt"/>
+        <a:ea typeface="+mn-ea"/>
+        <a:cs typeface="+mn-cs"/>
+      </a:defRPr>
+    </a:lvl9pPr>
+  </p:notesStyle>
+</p:notesMaster>
+</file>
+
+<file path=ppt/notesSlides/notesSlide1.xml><?xml version="1.0" encoding="utf-8"?>
+<p:notes xmlns:a="http://schemas.openxmlformats.org/drawingml/2006/main" xmlns:r="http://schemas.openxmlformats.org/officeDocument/2006/relationships" xmlns:p="http://schemas.openxmlformats.org/presentationml/2006/main">
+  <p:cSld>
+    <p:spTree>
+      <p:nvGrpSpPr>
+        <p:cNvPr id="1" name=""/>
+        <p:cNvGrpSpPr/>
+        <p:nvPr/>
+      </p:nvGrpSpPr>
+      <p:grpSpPr>
+        <a:xfrm>
+          <a:off x="0" y="0"/>
+          <a:ext cx="0" cy="0"/>
+          <a:chOff x="0" y="0"/>
+          <a:chExt cx="0" cy="0"/>
+        </a:xfrm>
+      </p:grpSpPr>
+      <p:sp>
+        <p:nvSpPr>
+          <p:cNvPr id="2" name="Slide Image Placeholder 1"/>
+          <p:cNvSpPr>
+            <a:spLocks noGrp="1" noRot="1" noChangeAspect="1"/>
+          </p:cNvSpPr>
+          <p:nvPr>
+            <p:ph type="sldImg"/>
+          </p:nvPr>
+        </p:nvSpPr>
+        <p:spPr/>
+      </p:sp>
+      <p:sp>
+        <p:nvSpPr>
+          <p:cNvPr id="3" name="Notes Placeholder 2"/>
+          <p:cNvSpPr>
+            <a:spLocks noGrp="1"/>
+          </p:cNvSpPr>
+          <p:nvPr>
+            <p:ph type="body" idx="1"/>
+          </p:nvPr>
+        </p:nvSpPr>
+        <p:spPr/>
+        <p:txBody>
+          <a:bodyPr/>
+          <a:lstStyle/>
+          <a:p>
+            <a:r>
+              <a:rPr lang="en-US" dirty="0"/>
+              <a:t>So the class that Justin and I would LOVE to teach someday is intermediate/advanced R.  Which maybe we will someday.</a:t>
+            </a:r>
+          </a:p>
+          <a:p>
+            <a:endParaRPr lang="en-US" dirty="0"/>
+          </a:p>
+          <a:p>
+            <a:r>
+              <a:rPr lang="en-US" dirty="0"/>
+              <a:t>But actually, maybe we don’t have to, because hopefully you’ve got enough foundation now that if you want to check things out for yourselves, YOU CAN!</a:t>
+            </a:r>
+          </a:p>
+          <a:p>
+            <a:endParaRPr lang="en-US" dirty="0"/>
+          </a:p>
+          <a:p>
+            <a:r>
+              <a:rPr lang="en-US" dirty="0"/>
+              <a:t>Funny that R is “statistical software” and this is the first real mention of statistics!  But R has all the statistics things</a:t>
+            </a:r>
+          </a:p>
+          <a:p>
+            <a:endParaRPr lang="en-US" dirty="0"/>
+          </a:p>
+          <a:p>
+            <a:r>
+              <a:rPr lang="en-US" dirty="0"/>
+              <a:t>This is the index for the STATS package documentation, and actually … this is just the beginning of the A’s.  R has all the stats.</a:t>
+            </a:r>
+          </a:p>
+        </p:txBody>
+      </p:sp>
+      <p:sp>
+        <p:nvSpPr>
+          <p:cNvPr id="4" name="Slide Number Placeholder 3"/>
+          <p:cNvSpPr>
+            <a:spLocks noGrp="1"/>
+          </p:cNvSpPr>
+          <p:nvPr>
+            <p:ph type="sldNum" sz="quarter" idx="5"/>
+          </p:nvPr>
+        </p:nvSpPr>
+        <p:spPr/>
+        <p:txBody>
+          <a:bodyPr/>
+          <a:lstStyle/>
+          <a:p>
+            <a:fld id="{C7D661A2-F486-4536-9EC3-8F3D924AC42C}" type="slidenum">
+              <a:rPr lang="en-US" smtClean="0"/>
+              <a:t>2</a:t>
+            </a:fld>
+            <a:endParaRPr lang="en-US"/>
+          </a:p>
+        </p:txBody>
+      </p:sp>
+    </p:spTree>
+    <p:extLst>
+      <p:ext uri="{BB962C8B-B14F-4D97-AF65-F5344CB8AC3E}">
+        <p14:creationId xmlns:p14="http://schemas.microsoft.com/office/powerpoint/2010/main" val="2358670663"/>
+      </p:ext>
+    </p:extLst>
+  </p:cSld>
+  <p:clrMapOvr>
+    <a:masterClrMapping/>
+  </p:clrMapOvr>
+</p:notes>
+</file>
+
+<file path=ppt/notesSlides/notesSlide2.xml><?xml version="1.0" encoding="utf-8"?>
+<p:notes xmlns:a="http://schemas.openxmlformats.org/drawingml/2006/main" xmlns:r="http://schemas.openxmlformats.org/officeDocument/2006/relationships" xmlns:p="http://schemas.openxmlformats.org/presentationml/2006/main">
+  <p:cSld>
+    <p:spTree>
+      <p:nvGrpSpPr>
+        <p:cNvPr id="1" name=""/>
+        <p:cNvGrpSpPr/>
+        <p:nvPr/>
+      </p:nvGrpSpPr>
+      <p:grpSpPr>
+        <a:xfrm>
+          <a:off x="0" y="0"/>
+          <a:ext cx="0" cy="0"/>
+          <a:chOff x="0" y="0"/>
+          <a:chExt cx="0" cy="0"/>
+        </a:xfrm>
+      </p:grpSpPr>
+      <p:sp>
+        <p:nvSpPr>
+          <p:cNvPr id="2" name="Slide Image Placeholder 1"/>
+          <p:cNvSpPr>
+            <a:spLocks noGrp="1" noRot="1" noChangeAspect="1"/>
+          </p:cNvSpPr>
+          <p:nvPr>
+            <p:ph type="sldImg"/>
+          </p:nvPr>
+        </p:nvSpPr>
+        <p:spPr/>
+      </p:sp>
+      <p:sp>
+        <p:nvSpPr>
+          <p:cNvPr id="3" name="Notes Placeholder 2"/>
+          <p:cNvSpPr>
+            <a:spLocks noGrp="1"/>
+          </p:cNvSpPr>
+          <p:nvPr>
+            <p:ph type="body" idx="1"/>
+          </p:nvPr>
+        </p:nvSpPr>
+        <p:spPr/>
+        <p:txBody>
+          <a:bodyPr/>
+          <a:lstStyle/>
+          <a:p>
+            <a:r>
+              <a:rPr lang="en-US" dirty="0"/>
+              <a:t>R is actually great for simulation!  So as a simple example, here’s simulating the results from a simple mark-recapture experiment</a:t>
+            </a:r>
+          </a:p>
+          <a:p>
+            <a:endParaRPr lang="en-US" dirty="0"/>
+          </a:p>
+          <a:p>
+            <a:r>
+              <a:rPr lang="en-US" dirty="0"/>
+              <a:t>So here we set the population size, and the sizes of both samples</a:t>
+            </a:r>
+          </a:p>
+          <a:p>
+            <a:endParaRPr lang="en-US" dirty="0"/>
+          </a:p>
+          <a:p>
+            <a:r>
+              <a:rPr lang="en-US" dirty="0"/>
+              <a:t>Then we can actually SIMULATE 10k replicates for the number of recaptures … this produces a vector, and we know how to math with these!!</a:t>
+            </a:r>
+          </a:p>
+          <a:p>
+            <a:endParaRPr lang="en-US" dirty="0"/>
+          </a:p>
+          <a:p>
+            <a:r>
+              <a:rPr lang="en-US" dirty="0"/>
+              <a:t>Note that this doesn’t replace our typical sample size methods, but I would argue that it’s useful to give yourself an idea of how things might turn out!</a:t>
+            </a:r>
+          </a:p>
+        </p:txBody>
+      </p:sp>
+      <p:sp>
+        <p:nvSpPr>
+          <p:cNvPr id="4" name="Slide Number Placeholder 3"/>
+          <p:cNvSpPr>
+            <a:spLocks noGrp="1"/>
+          </p:cNvSpPr>
+          <p:nvPr>
+            <p:ph type="sldNum" sz="quarter" idx="5"/>
+          </p:nvPr>
+        </p:nvSpPr>
+        <p:spPr/>
+        <p:txBody>
+          <a:bodyPr/>
+          <a:lstStyle/>
+          <a:p>
+            <a:fld id="{C7D661A2-F486-4536-9EC3-8F3D924AC42C}" type="slidenum">
+              <a:rPr lang="en-US" smtClean="0"/>
+              <a:t>3</a:t>
+            </a:fld>
+            <a:endParaRPr lang="en-US"/>
+          </a:p>
+        </p:txBody>
+      </p:sp>
+    </p:spTree>
+    <p:extLst>
+      <p:ext uri="{BB962C8B-B14F-4D97-AF65-F5344CB8AC3E}">
+        <p14:creationId xmlns:p14="http://schemas.microsoft.com/office/powerpoint/2010/main" val="2075686074"/>
+      </p:ext>
+    </p:extLst>
+  </p:cSld>
+  <p:clrMapOvr>
+    <a:masterClrMapping/>
+  </p:clrMapOvr>
+</p:notes>
+</file>
+
+<file path=ppt/notesSlides/notesSlide3.xml><?xml version="1.0" encoding="utf-8"?>
+<p:notes xmlns:a="http://schemas.openxmlformats.org/drawingml/2006/main" xmlns:r="http://schemas.openxmlformats.org/officeDocument/2006/relationships" xmlns:p="http://schemas.openxmlformats.org/presentationml/2006/main">
+  <p:cSld>
+    <p:spTree>
+      <p:nvGrpSpPr>
+        <p:cNvPr id="1" name=""/>
+        <p:cNvGrpSpPr/>
+        <p:nvPr/>
+      </p:nvGrpSpPr>
+      <p:grpSpPr>
+        <a:xfrm>
+          <a:off x="0" y="0"/>
+          <a:ext cx="0" cy="0"/>
+          <a:chOff x="0" y="0"/>
+          <a:chExt cx="0" cy="0"/>
+        </a:xfrm>
+      </p:grpSpPr>
+      <p:sp>
+        <p:nvSpPr>
+          <p:cNvPr id="2" name="Slide Image Placeholder 1"/>
+          <p:cNvSpPr>
+            <a:spLocks noGrp="1" noRot="1" noChangeAspect="1"/>
+          </p:cNvSpPr>
+          <p:nvPr>
+            <p:ph type="sldImg"/>
+          </p:nvPr>
+        </p:nvSpPr>
+        <p:spPr/>
+      </p:sp>
+      <p:sp>
+        <p:nvSpPr>
+          <p:cNvPr id="3" name="Notes Placeholder 2"/>
+          <p:cNvSpPr>
+            <a:spLocks noGrp="1"/>
+          </p:cNvSpPr>
+          <p:nvPr>
+            <p:ph type="body" idx="1"/>
+          </p:nvPr>
+        </p:nvSpPr>
+        <p:spPr/>
+        <p:txBody>
+          <a:bodyPr/>
+          <a:lstStyle/>
+          <a:p>
+            <a:r>
+              <a:rPr lang="en-US" dirty="0"/>
+              <a:t>You can write your OWN functions and use them later, and here’s a simple example</a:t>
+            </a:r>
+          </a:p>
+          <a:p>
+            <a:endParaRPr lang="en-US" dirty="0"/>
+          </a:p>
+          <a:p>
+            <a:r>
+              <a:rPr lang="en-US" dirty="0"/>
+              <a:t>It takes the sample sizes from each event and the number of recaptures as inputs (or ARGUMENTS) and returns the result!</a:t>
+            </a:r>
+          </a:p>
+          <a:p>
+            <a:endParaRPr lang="en-US" dirty="0"/>
+          </a:p>
+          <a:p>
+            <a:endParaRPr lang="en-US" dirty="0"/>
+          </a:p>
+          <a:p>
+            <a:r>
+              <a:rPr lang="en-US" dirty="0"/>
+              <a:t>Writing your own packages?? Yeah, you can do that too!  This can be for yourself… or for others ….</a:t>
+            </a:r>
+          </a:p>
+          <a:p>
+            <a:r>
+              <a:rPr lang="en-US" dirty="0"/>
+              <a:t>I’ve actually written a few packages, and published these on CRAN, which is the </a:t>
+            </a:r>
+          </a:p>
+        </p:txBody>
+      </p:sp>
+      <p:sp>
+        <p:nvSpPr>
+          <p:cNvPr id="4" name="Slide Number Placeholder 3"/>
+          <p:cNvSpPr>
+            <a:spLocks noGrp="1"/>
+          </p:cNvSpPr>
+          <p:nvPr>
+            <p:ph type="sldNum" sz="quarter" idx="5"/>
+          </p:nvPr>
+        </p:nvSpPr>
+        <p:spPr/>
+        <p:txBody>
+          <a:bodyPr/>
+          <a:lstStyle/>
+          <a:p>
+            <a:fld id="{C7D661A2-F486-4536-9EC3-8F3D924AC42C}" type="slidenum">
+              <a:rPr lang="en-US" smtClean="0"/>
+              <a:t>4</a:t>
+            </a:fld>
+            <a:endParaRPr lang="en-US"/>
+          </a:p>
+        </p:txBody>
+      </p:sp>
+    </p:spTree>
+    <p:extLst>
+      <p:ext uri="{BB962C8B-B14F-4D97-AF65-F5344CB8AC3E}">
+        <p14:creationId xmlns:p14="http://schemas.microsoft.com/office/powerpoint/2010/main" val="2277237715"/>
+      </p:ext>
+    </p:extLst>
+  </p:cSld>
+  <p:clrMapOvr>
+    <a:masterClrMapping/>
+  </p:clrMapOvr>
+</p:notes>
+</file>
+
+<file path=ppt/notesSlides/notesSlide4.xml><?xml version="1.0" encoding="utf-8"?>
+<p:notes xmlns:a="http://schemas.openxmlformats.org/drawingml/2006/main" xmlns:r="http://schemas.openxmlformats.org/officeDocument/2006/relationships" xmlns:p="http://schemas.openxmlformats.org/presentationml/2006/main">
+  <p:cSld>
+    <p:spTree>
+      <p:nvGrpSpPr>
+        <p:cNvPr id="1" name=""/>
+        <p:cNvGrpSpPr/>
+        <p:nvPr/>
+      </p:nvGrpSpPr>
+      <p:grpSpPr>
+        <a:xfrm>
+          <a:off x="0" y="0"/>
+          <a:ext cx="0" cy="0"/>
+          <a:chOff x="0" y="0"/>
+          <a:chExt cx="0" cy="0"/>
+        </a:xfrm>
+      </p:grpSpPr>
+      <p:sp>
+        <p:nvSpPr>
+          <p:cNvPr id="2" name="Slide Image Placeholder 1"/>
+          <p:cNvSpPr>
+            <a:spLocks noGrp="1" noRot="1" noChangeAspect="1"/>
+          </p:cNvSpPr>
+          <p:nvPr>
+            <p:ph type="sldImg"/>
+          </p:nvPr>
+        </p:nvSpPr>
+        <p:spPr/>
+      </p:sp>
+      <p:sp>
+        <p:nvSpPr>
+          <p:cNvPr id="3" name="Notes Placeholder 2"/>
+          <p:cNvSpPr>
+            <a:spLocks noGrp="1"/>
+          </p:cNvSpPr>
+          <p:nvPr>
+            <p:ph type="body" idx="1"/>
+          </p:nvPr>
+        </p:nvSpPr>
+        <p:spPr/>
+        <p:txBody>
+          <a:bodyPr/>
+          <a:lstStyle/>
+          <a:p>
+            <a:r>
+              <a:rPr lang="en-US" dirty="0"/>
+              <a:t>And there’s all KINDS of cool algorithmic stuff that’s possible in R:</a:t>
+            </a:r>
+          </a:p>
+          <a:p>
+            <a:endParaRPr lang="en-US" dirty="0"/>
+          </a:p>
+          <a:p>
+            <a:r>
+              <a:rPr lang="en-US" dirty="0"/>
+              <a:t>A pretty powerful thing can be a loop…</a:t>
+            </a:r>
+          </a:p>
+        </p:txBody>
+      </p:sp>
+      <p:sp>
+        <p:nvSpPr>
+          <p:cNvPr id="4" name="Slide Number Placeholder 3"/>
+          <p:cNvSpPr>
+            <a:spLocks noGrp="1"/>
+          </p:cNvSpPr>
+          <p:nvPr>
+            <p:ph type="sldNum" sz="quarter" idx="5"/>
+          </p:nvPr>
+        </p:nvSpPr>
+        <p:spPr/>
+        <p:txBody>
+          <a:bodyPr/>
+          <a:lstStyle/>
+          <a:p>
+            <a:fld id="{C7D661A2-F486-4536-9EC3-8F3D924AC42C}" type="slidenum">
+              <a:rPr lang="en-US" smtClean="0"/>
+              <a:t>5</a:t>
+            </a:fld>
+            <a:endParaRPr lang="en-US"/>
+          </a:p>
+        </p:txBody>
+      </p:sp>
+    </p:spTree>
+    <p:extLst>
+      <p:ext uri="{BB962C8B-B14F-4D97-AF65-F5344CB8AC3E}">
+        <p14:creationId xmlns:p14="http://schemas.microsoft.com/office/powerpoint/2010/main" val="1115774155"/>
+      </p:ext>
+    </p:extLst>
+  </p:cSld>
+  <p:clrMapOvr>
+    <a:masterClrMapping/>
+  </p:clrMapOvr>
+</p:notes>
+</file>
+
+<file path=ppt/notesSlides/notesSlide5.xml><?xml version="1.0" encoding="utf-8"?>
+<p:notes xmlns:a="http://schemas.openxmlformats.org/drawingml/2006/main" xmlns:r="http://schemas.openxmlformats.org/officeDocument/2006/relationships" xmlns:p="http://schemas.openxmlformats.org/presentationml/2006/main">
+  <p:cSld>
+    <p:spTree>
+      <p:nvGrpSpPr>
+        <p:cNvPr id="1" name=""/>
+        <p:cNvGrpSpPr/>
+        <p:nvPr/>
+      </p:nvGrpSpPr>
+      <p:grpSpPr>
+        <a:xfrm>
+          <a:off x="0" y="0"/>
+          <a:ext cx="0" cy="0"/>
+          <a:chOff x="0" y="0"/>
+          <a:chExt cx="0" cy="0"/>
+        </a:xfrm>
+      </p:grpSpPr>
+      <p:sp>
+        <p:nvSpPr>
+          <p:cNvPr id="2" name="Slide Image Placeholder 1"/>
+          <p:cNvSpPr>
+            <a:spLocks noGrp="1" noRot="1" noChangeAspect="1"/>
+          </p:cNvSpPr>
+          <p:nvPr>
+            <p:ph type="sldImg"/>
+          </p:nvPr>
+        </p:nvSpPr>
+        <p:spPr/>
+      </p:sp>
+      <p:sp>
+        <p:nvSpPr>
+          <p:cNvPr id="3" name="Notes Placeholder 2"/>
+          <p:cNvSpPr>
+            <a:spLocks noGrp="1"/>
+          </p:cNvSpPr>
+          <p:nvPr>
+            <p:ph type="body" idx="1"/>
+          </p:nvPr>
+        </p:nvSpPr>
+        <p:spPr/>
+        <p:txBody>
+          <a:bodyPr/>
+          <a:lstStyle/>
+          <a:p>
+            <a:r>
+              <a:rPr lang="en-US" dirty="0"/>
+              <a:t>And yes, you can GIS with R!  Check out this figure that Justin made (and I stole, </a:t>
+            </a:r>
+            <a:r>
+              <a:rPr lang="en-US" dirty="0" err="1"/>
+              <a:t>cuz</a:t>
+            </a:r>
+            <a:r>
+              <a:rPr lang="en-US" dirty="0"/>
+              <a:t> I thought it looked cool!)  This was all done in R.</a:t>
+            </a:r>
+          </a:p>
+        </p:txBody>
+      </p:sp>
+      <p:sp>
+        <p:nvSpPr>
+          <p:cNvPr id="4" name="Slide Number Placeholder 3"/>
+          <p:cNvSpPr>
+            <a:spLocks noGrp="1"/>
+          </p:cNvSpPr>
+          <p:nvPr>
+            <p:ph type="sldNum" sz="quarter" idx="5"/>
+          </p:nvPr>
+        </p:nvSpPr>
+        <p:spPr/>
+        <p:txBody>
+          <a:bodyPr/>
+          <a:lstStyle/>
+          <a:p>
+            <a:fld id="{C7D661A2-F486-4536-9EC3-8F3D924AC42C}" type="slidenum">
+              <a:rPr lang="en-US" smtClean="0"/>
+              <a:t>6</a:t>
+            </a:fld>
+            <a:endParaRPr lang="en-US"/>
+          </a:p>
+        </p:txBody>
+      </p:sp>
+    </p:spTree>
+    <p:extLst>
+      <p:ext uri="{BB962C8B-B14F-4D97-AF65-F5344CB8AC3E}">
+        <p14:creationId xmlns:p14="http://schemas.microsoft.com/office/powerpoint/2010/main" val="336115089"/>
+      </p:ext>
+    </p:extLst>
+  </p:cSld>
+  <p:clrMapOvr>
+    <a:masterClrMapping/>
+  </p:clrMapOvr>
+</p:notes>
+</file>
+
+<file path=ppt/notesSlides/notesSlide6.xml><?xml version="1.0" encoding="utf-8"?>
+<p:notes xmlns:a="http://schemas.openxmlformats.org/drawingml/2006/main" xmlns:r="http://schemas.openxmlformats.org/officeDocument/2006/relationships" xmlns:p="http://schemas.openxmlformats.org/presentationml/2006/main">
+  <p:cSld>
+    <p:spTree>
+      <p:nvGrpSpPr>
+        <p:cNvPr id="1" name=""/>
+        <p:cNvGrpSpPr/>
+        <p:nvPr/>
+      </p:nvGrpSpPr>
+      <p:grpSpPr>
+        <a:xfrm>
+          <a:off x="0" y="0"/>
+          <a:ext cx="0" cy="0"/>
+          <a:chOff x="0" y="0"/>
+          <a:chExt cx="0" cy="0"/>
+        </a:xfrm>
+      </p:grpSpPr>
+      <p:sp>
+        <p:nvSpPr>
+          <p:cNvPr id="2" name="Slide Image Placeholder 1"/>
+          <p:cNvSpPr>
+            <a:spLocks noGrp="1" noRot="1" noChangeAspect="1"/>
+          </p:cNvSpPr>
+          <p:nvPr>
+            <p:ph type="sldImg"/>
+          </p:nvPr>
+        </p:nvSpPr>
+        <p:spPr/>
+      </p:sp>
+      <p:sp>
+        <p:nvSpPr>
+          <p:cNvPr id="3" name="Notes Placeholder 2"/>
+          <p:cNvSpPr>
+            <a:spLocks noGrp="1"/>
+          </p:cNvSpPr>
+          <p:nvPr>
+            <p:ph type="body" idx="1"/>
+          </p:nvPr>
+        </p:nvSpPr>
+        <p:spPr/>
+        <p:txBody>
+          <a:bodyPr/>
+          <a:lstStyle/>
+          <a:p>
+            <a:r>
+              <a:rPr lang="en-US" dirty="0"/>
+              <a:t>And two things that </a:t>
+            </a:r>
+            <a:r>
+              <a:rPr lang="en-US"/>
+              <a:t>I’m going to demo….</a:t>
+            </a:r>
+          </a:p>
+        </p:txBody>
+      </p:sp>
+      <p:sp>
+        <p:nvSpPr>
+          <p:cNvPr id="4" name="Slide Number Placeholder 3"/>
+          <p:cNvSpPr>
+            <a:spLocks noGrp="1"/>
+          </p:cNvSpPr>
+          <p:nvPr>
+            <p:ph type="sldNum" sz="quarter" idx="5"/>
+          </p:nvPr>
+        </p:nvSpPr>
+        <p:spPr/>
+        <p:txBody>
+          <a:bodyPr/>
+          <a:lstStyle/>
+          <a:p>
+            <a:fld id="{C7D661A2-F486-4536-9EC3-8F3D924AC42C}" type="slidenum">
+              <a:rPr lang="en-US" smtClean="0"/>
+              <a:t>7</a:t>
+            </a:fld>
+            <a:endParaRPr lang="en-US"/>
+          </a:p>
+        </p:txBody>
+      </p:sp>
+    </p:spTree>
+    <p:extLst>
+      <p:ext uri="{BB962C8B-B14F-4D97-AF65-F5344CB8AC3E}">
+        <p14:creationId xmlns:p14="http://schemas.microsoft.com/office/powerpoint/2010/main" val="2937627873"/>
+      </p:ext>
+    </p:extLst>
+  </p:cSld>
+  <p:clrMapOvr>
+    <a:masterClrMapping/>
+  </p:clrMapOvr>
+</p:notes>
+</file>
+
 <file path=ppt/slideLayouts/slideLayout1.xml><?xml version="1.0" encoding="utf-8"?>
 <p:sldLayout xmlns:a="http://schemas.openxmlformats.org/drawingml/2006/main" xmlns:r="http://schemas.openxmlformats.org/officeDocument/2006/relationships" xmlns:p="http://schemas.openxmlformats.org/presentationml/2006/main" type="title" preserve="1">
   <p:cSld name="Title Slide">
@@ -265,7 +1241,7 @@
           <a:p>
             <a:fld id="{F9F57C4A-2F7E-45A6-9631-DF8F6C2C902F}" type="datetimeFigureOut">
               <a:rPr lang="en-US" smtClean="0"/>
-              <a:t>11/13/2023</a:t>
+              <a:t>11/14/2023</a:t>
             </a:fld>
             <a:endParaRPr lang="en-US"/>
           </a:p>
@@ -463,7 +1439,7 @@
           <a:p>
             <a:fld id="{F9F57C4A-2F7E-45A6-9631-DF8F6C2C902F}" type="datetimeFigureOut">
               <a:rPr lang="en-US" smtClean="0"/>
-              <a:t>11/13/2023</a:t>
+              <a:t>11/14/2023</a:t>
             </a:fld>
             <a:endParaRPr lang="en-US"/>
           </a:p>
@@ -671,7 +1647,7 @@
           <a:p>
             <a:fld id="{F9F57C4A-2F7E-45A6-9631-DF8F6C2C902F}" type="datetimeFigureOut">
               <a:rPr lang="en-US" smtClean="0"/>
-              <a:t>11/13/2023</a:t>
+              <a:t>11/14/2023</a:t>
             </a:fld>
             <a:endParaRPr lang="en-US"/>
           </a:p>
@@ -869,7 +1845,7 @@
           <a:p>
             <a:fld id="{F9F57C4A-2F7E-45A6-9631-DF8F6C2C902F}" type="datetimeFigureOut">
               <a:rPr lang="en-US" smtClean="0"/>
-              <a:t>11/13/2023</a:t>
+              <a:t>11/14/2023</a:t>
             </a:fld>
             <a:endParaRPr lang="en-US"/>
           </a:p>
@@ -1144,7 +2120,7 @@
           <a:p>
             <a:fld id="{F9F57C4A-2F7E-45A6-9631-DF8F6C2C902F}" type="datetimeFigureOut">
               <a:rPr lang="en-US" smtClean="0"/>
-              <a:t>11/13/2023</a:t>
+              <a:t>11/14/2023</a:t>
             </a:fld>
             <a:endParaRPr lang="en-US"/>
           </a:p>
@@ -1409,7 +2385,7 @@
           <a:p>
             <a:fld id="{F9F57C4A-2F7E-45A6-9631-DF8F6C2C902F}" type="datetimeFigureOut">
               <a:rPr lang="en-US" smtClean="0"/>
-              <a:t>11/13/2023</a:t>
+              <a:t>11/14/2023</a:t>
             </a:fld>
             <a:endParaRPr lang="en-US"/>
           </a:p>
@@ -1821,7 +2797,7 @@
           <a:p>
             <a:fld id="{F9F57C4A-2F7E-45A6-9631-DF8F6C2C902F}" type="datetimeFigureOut">
               <a:rPr lang="en-US" smtClean="0"/>
-              <a:t>11/13/2023</a:t>
+              <a:t>11/14/2023</a:t>
             </a:fld>
             <a:endParaRPr lang="en-US"/>
           </a:p>
@@ -1962,7 +2938,7 @@
           <a:p>
             <a:fld id="{F9F57C4A-2F7E-45A6-9631-DF8F6C2C902F}" type="datetimeFigureOut">
               <a:rPr lang="en-US" smtClean="0"/>
-              <a:t>11/13/2023</a:t>
+              <a:t>11/14/2023</a:t>
             </a:fld>
             <a:endParaRPr lang="en-US"/>
           </a:p>
@@ -2075,7 +3051,7 @@
           <a:p>
             <a:fld id="{F9F57C4A-2F7E-45A6-9631-DF8F6C2C902F}" type="datetimeFigureOut">
               <a:rPr lang="en-US" smtClean="0"/>
-              <a:t>11/13/2023</a:t>
+              <a:t>11/14/2023</a:t>
             </a:fld>
             <a:endParaRPr lang="en-US"/>
           </a:p>
@@ -2386,7 +3362,7 @@
           <a:p>
             <a:fld id="{F9F57C4A-2F7E-45A6-9631-DF8F6C2C902F}" type="datetimeFigureOut">
               <a:rPr lang="en-US" smtClean="0"/>
-              <a:t>11/13/2023</a:t>
+              <a:t>11/14/2023</a:t>
             </a:fld>
             <a:endParaRPr lang="en-US"/>
           </a:p>
@@ -2674,7 +3650,7 @@
           <a:p>
             <a:fld id="{F9F57C4A-2F7E-45A6-9631-DF8F6C2C902F}" type="datetimeFigureOut">
               <a:rPr lang="en-US" smtClean="0"/>
-              <a:t>11/13/2023</a:t>
+              <a:t>11/14/2023</a:t>
             </a:fld>
             <a:endParaRPr lang="en-US"/>
           </a:p>
@@ -2915,7 +3891,7 @@
           <a:p>
             <a:fld id="{F9F57C4A-2F7E-45A6-9631-DF8F6C2C902F}" type="datetimeFigureOut">
               <a:rPr lang="en-US" smtClean="0"/>
-              <a:t>11/13/2023</a:t>
+              <a:t>11/14/2023</a:t>
             </a:fld>
             <a:endParaRPr lang="en-US"/>
           </a:p>
@@ -3427,7 +4403,7 @@
           <p:nvPr/>
         </p:nvPicPr>
         <p:blipFill rotWithShape="1">
-          <a:blip r:embed="rId2"/>
+          <a:blip r:embed="rId3"/>
           <a:srcRect l="10189" t="14270" r="4544" b="18578"/>
           <a:stretch/>
         </p:blipFill>
@@ -3616,7 +4592,7 @@
           <p:nvPr/>
         </p:nvPicPr>
         <p:blipFill>
-          <a:blip r:embed="rId3"/>
+          <a:blip r:embed="rId4"/>
           <a:stretch>
             <a:fillRect/>
           </a:stretch>
@@ -4869,7 +5845,7 @@
           <p:nvPr/>
         </p:nvPicPr>
         <p:blipFill rotWithShape="1">
-          <a:blip r:embed="rId2"/>
+          <a:blip r:embed="rId3"/>
           <a:srcRect t="4829" r="6765"/>
           <a:stretch/>
         </p:blipFill>
@@ -6151,7 +7127,7 @@
           <p:nvPr/>
         </p:nvPicPr>
         <p:blipFill>
-          <a:blip r:embed="rId2">
+          <a:blip r:embed="rId3">
             <a:extLst>
               <a:ext uri="{28A0092B-C50C-407E-A947-70E740481C1C}">
                 <a14:useLocalDpi xmlns:a14="http://schemas.microsoft.com/office/drawing/2010/main" val="0"/>
@@ -6337,7 +7313,7 @@
           <p:nvPr/>
         </p:nvPicPr>
         <p:blipFill>
-          <a:blip r:embed="rId2">
+          <a:blip r:embed="rId3">
             <a:extLst>
               <a:ext uri="{28A0092B-C50C-407E-A947-70E740481C1C}">
                 <a14:useLocalDpi xmlns:a14="http://schemas.microsoft.com/office/drawing/2010/main" val="0"/>
@@ -6373,7 +7349,7 @@
           <p:nvPr/>
         </p:nvPicPr>
         <p:blipFill>
-          <a:blip r:embed="rId3">
+          <a:blip r:embed="rId4">
             <a:extLst>
               <a:ext uri="{28A0092B-C50C-407E-A947-70E740481C1C}">
                 <a14:useLocalDpi xmlns:a14="http://schemas.microsoft.com/office/drawing/2010/main" val="0"/>
@@ -6962,4 +7938,299 @@
     </a:ext>
   </a:extLst>
 </a:theme>
+</file>
+
+<file path=ppt/theme/theme2.xml><?xml version="1.0" encoding="utf-8"?>
+<a:theme xmlns:a="http://schemas.openxmlformats.org/drawingml/2006/main" name="Office Theme">
+  <a:themeElements>
+    <a:clrScheme name="Office">
+      <a:dk1>
+        <a:sysClr val="windowText" lastClr="000000"/>
+      </a:dk1>
+      <a:lt1>
+        <a:sysClr val="window" lastClr="FFFFFF"/>
+      </a:lt1>
+      <a:dk2>
+        <a:srgbClr val="44546A"/>
+      </a:dk2>
+      <a:lt2>
+        <a:srgbClr val="E7E6E6"/>
+      </a:lt2>
+      <a:accent1>
+        <a:srgbClr val="4472C4"/>
+      </a:accent1>
+      <a:accent2>
+        <a:srgbClr val="ED7D31"/>
+      </a:accent2>
+      <a:accent3>
+        <a:srgbClr val="A5A5A5"/>
+      </a:accent3>
+      <a:accent4>
+        <a:srgbClr val="FFC000"/>
+      </a:accent4>
+      <a:accent5>
+        <a:srgbClr val="5B9BD5"/>
+      </a:accent5>
+      <a:accent6>
+        <a:srgbClr val="70AD47"/>
+      </a:accent6>
+      <a:hlink>
+        <a:srgbClr val="0563C1"/>
+      </a:hlink>
+      <a:folHlink>
+        <a:srgbClr val="954F72"/>
+      </a:folHlink>
+    </a:clrScheme>
+    <a:fontScheme name="Office">
+      <a:majorFont>
+        <a:latin typeface="Calibri Light" panose="020F0302020204030204"/>
+        <a:ea typeface=""/>
+        <a:cs typeface=""/>
+        <a:font script="Jpan" typeface="游ゴシック Light"/>
+        <a:font script="Hang" typeface="맑은 고딕"/>
+        <a:font script="Hans" typeface="等线 Light"/>
+        <a:font script="Hant" typeface="新細明體"/>
+        <a:font script="Arab" typeface="Times New Roman"/>
+        <a:font script="Hebr" typeface="Times New Roman"/>
+        <a:font script="Thai" typeface="Angsana New"/>
+        <a:font script="Ethi" typeface="Nyala"/>
+        <a:font script="Beng" typeface="Vrinda"/>
+        <a:font script="Gujr" typeface="Shruti"/>
+        <a:font script="Khmr" typeface="MoolBoran"/>
+        <a:font script="Knda" typeface="Tunga"/>
+        <a:font script="Guru" typeface="Raavi"/>
+        <a:font script="Cans" typeface="Euphemia"/>
+        <a:font script="Cher" typeface="Plantagenet Cherokee"/>
+        <a:font script="Yiii" typeface="Microsoft Yi Baiti"/>
+        <a:font script="Tibt" typeface="Microsoft Himalaya"/>
+        <a:font script="Thaa" typeface="MV Boli"/>
+        <a:font script="Deva" typeface="Mangal"/>
+        <a:font script="Telu" typeface="Gautami"/>
+        <a:font script="Taml" typeface="Latha"/>
+        <a:font script="Syrc" typeface="Estrangelo Edessa"/>
+        <a:font script="Orya" typeface="Kalinga"/>
+        <a:font script="Mlym" typeface="Kartika"/>
+        <a:font script="Laoo" typeface="DokChampa"/>
+        <a:font script="Sinh" typeface="Iskoola Pota"/>
+        <a:font script="Mong" typeface="Mongolian Baiti"/>
+        <a:font script="Viet" typeface="Times New Roman"/>
+        <a:font script="Uigh" typeface="Microsoft Uighur"/>
+        <a:font script="Geor" typeface="Sylfaen"/>
+        <a:font script="Armn" typeface="Arial"/>
+        <a:font script="Bugi" typeface="Leelawadee UI"/>
+        <a:font script="Bopo" typeface="Microsoft JhengHei"/>
+        <a:font script="Java" typeface="Javanese Text"/>
+        <a:font script="Lisu" typeface="Segoe UI"/>
+        <a:font script="Mymr" typeface="Myanmar Text"/>
+        <a:font script="Nkoo" typeface="Ebrima"/>
+        <a:font script="Olck" typeface="Nirmala UI"/>
+        <a:font script="Osma" typeface="Ebrima"/>
+        <a:font script="Phag" typeface="Phagspa"/>
+        <a:font script="Syrn" typeface="Estrangelo Edessa"/>
+        <a:font script="Syrj" typeface="Estrangelo Edessa"/>
+        <a:font script="Syre" typeface="Estrangelo Edessa"/>
+        <a:font script="Sora" typeface="Nirmala UI"/>
+        <a:font script="Tale" typeface="Microsoft Tai Le"/>
+        <a:font script="Talu" typeface="Microsoft New Tai Lue"/>
+        <a:font script="Tfng" typeface="Ebrima"/>
+      </a:majorFont>
+      <a:minorFont>
+        <a:latin typeface="Calibri" panose="020F0502020204030204"/>
+        <a:ea typeface=""/>
+        <a:cs typeface=""/>
+        <a:font script="Jpan" typeface="游ゴシック"/>
+        <a:font script="Hang" typeface="맑은 고딕"/>
+        <a:font script="Hans" typeface="等线"/>
+        <a:font script="Hant" typeface="新細明體"/>
+        <a:font script="Arab" typeface="Arial"/>
+        <a:font script="Hebr" typeface="Arial"/>
+        <a:font script="Thai" typeface="Cordia New"/>
+        <a:font script="Ethi" typeface="Nyala"/>
+        <a:font script="Beng" typeface="Vrinda"/>
+        <a:font script="Gujr" typeface="Shruti"/>
+        <a:font script="Khmr" typeface="DaunPenh"/>
+        <a:font script="Knda" typeface="Tunga"/>
+        <a:font script="Guru" typeface="Raavi"/>
+        <a:font script="Cans" typeface="Euphemia"/>
+        <a:font script="Cher" typeface="Plantagenet Cherokee"/>
+        <a:font script="Yiii" typeface="Microsoft Yi Baiti"/>
+        <a:font script="Tibt" typeface="Microsoft Himalaya"/>
+        <a:font script="Thaa" typeface="MV Boli"/>
+        <a:font script="Deva" typeface="Mangal"/>
+        <a:font script="Telu" typeface="Gautami"/>
+        <a:font script="Taml" typeface="Latha"/>
+        <a:font script="Syrc" typeface="Estrangelo Edessa"/>
+        <a:font script="Orya" typeface="Kalinga"/>
+        <a:font script="Mlym" typeface="Kartika"/>
+        <a:font script="Laoo" typeface="DokChampa"/>
+        <a:font script="Sinh" typeface="Iskoola Pota"/>
+        <a:font script="Mong" typeface="Mongolian Baiti"/>
+        <a:font script="Viet" typeface="Arial"/>
+        <a:font script="Uigh" typeface="Microsoft Uighur"/>
+        <a:font script="Geor" typeface="Sylfaen"/>
+        <a:font script="Armn" typeface="Arial"/>
+        <a:font script="Bugi" typeface="Leelawadee UI"/>
+        <a:font script="Bopo" typeface="Microsoft JhengHei"/>
+        <a:font script="Java" typeface="Javanese Text"/>
+        <a:font script="Lisu" typeface="Segoe UI"/>
+        <a:font script="Mymr" typeface="Myanmar Text"/>
+        <a:font script="Nkoo" typeface="Ebrima"/>
+        <a:font script="Olck" typeface="Nirmala UI"/>
+        <a:font script="Osma" typeface="Ebrima"/>
+        <a:font script="Phag" typeface="Phagspa"/>
+        <a:font script="Syrn" typeface="Estrangelo Edessa"/>
+        <a:font script="Syrj" typeface="Estrangelo Edessa"/>
+        <a:font script="Syre" typeface="Estrangelo Edessa"/>
+        <a:font script="Sora" typeface="Nirmala UI"/>
+        <a:font script="Tale" typeface="Microsoft Tai Le"/>
+        <a:font script="Talu" typeface="Microsoft New Tai Lue"/>
+        <a:font script="Tfng" typeface="Ebrima"/>
+      </a:minorFont>
+    </a:fontScheme>
+    <a:fmtScheme name="Office">
+      <a:fillStyleLst>
+        <a:solidFill>
+          <a:schemeClr val="phClr"/>
+        </a:solidFill>
+        <a:gradFill rotWithShape="1">
+          <a:gsLst>
+            <a:gs pos="0">
+              <a:schemeClr val="phClr">
+                <a:lumMod val="110000"/>
+                <a:satMod val="105000"/>
+                <a:tint val="67000"/>
+              </a:schemeClr>
+            </a:gs>
+            <a:gs pos="50000">
+              <a:schemeClr val="phClr">
+                <a:lumMod val="105000"/>
+                <a:satMod val="103000"/>
+                <a:tint val="73000"/>
+              </a:schemeClr>
+            </a:gs>
+            <a:gs pos="100000">
+              <a:schemeClr val="phClr">
+                <a:lumMod val="105000"/>
+                <a:satMod val="109000"/>
+                <a:tint val="81000"/>
+              </a:schemeClr>
+            </a:gs>
+          </a:gsLst>
+          <a:lin ang="5400000" scaled="0"/>
+        </a:gradFill>
+        <a:gradFill rotWithShape="1">
+          <a:gsLst>
+            <a:gs pos="0">
+              <a:schemeClr val="phClr">
+                <a:satMod val="103000"/>
+                <a:lumMod val="102000"/>
+                <a:tint val="94000"/>
+              </a:schemeClr>
+            </a:gs>
+            <a:gs pos="50000">
+              <a:schemeClr val="phClr">
+                <a:satMod val="110000"/>
+                <a:lumMod val="100000"/>
+                <a:shade val="100000"/>
+              </a:schemeClr>
+            </a:gs>
+            <a:gs pos="100000">
+              <a:schemeClr val="phClr">
+                <a:lumMod val="99000"/>
+                <a:satMod val="120000"/>
+                <a:shade val="78000"/>
+              </a:schemeClr>
+            </a:gs>
+          </a:gsLst>
+          <a:lin ang="5400000" scaled="0"/>
+        </a:gradFill>
+      </a:fillStyleLst>
+      <a:lnStyleLst>
+        <a:ln w="6350" cap="flat" cmpd="sng" algn="ctr">
+          <a:solidFill>
+            <a:schemeClr val="phClr"/>
+          </a:solidFill>
+          <a:prstDash val="solid"/>
+          <a:miter lim="800000"/>
+        </a:ln>
+        <a:ln w="12700" cap="flat" cmpd="sng" algn="ctr">
+          <a:solidFill>
+            <a:schemeClr val="phClr"/>
+          </a:solidFill>
+          <a:prstDash val="solid"/>
+          <a:miter lim="800000"/>
+        </a:ln>
+        <a:ln w="19050" cap="flat" cmpd="sng" algn="ctr">
+          <a:solidFill>
+            <a:schemeClr val="phClr"/>
+          </a:solidFill>
+          <a:prstDash val="solid"/>
+          <a:miter lim="800000"/>
+        </a:ln>
+      </a:lnStyleLst>
+      <a:effectStyleLst>
+        <a:effectStyle>
+          <a:effectLst/>
+        </a:effectStyle>
+        <a:effectStyle>
+          <a:effectLst/>
+        </a:effectStyle>
+        <a:effectStyle>
+          <a:effectLst>
+            <a:outerShdw blurRad="57150" dist="19050" dir="5400000" algn="ctr" rotWithShape="0">
+              <a:srgbClr val="000000">
+                <a:alpha val="63000"/>
+              </a:srgbClr>
+            </a:outerShdw>
+          </a:effectLst>
+        </a:effectStyle>
+      </a:effectStyleLst>
+      <a:bgFillStyleLst>
+        <a:solidFill>
+          <a:schemeClr val="phClr"/>
+        </a:solidFill>
+        <a:solidFill>
+          <a:schemeClr val="phClr">
+            <a:tint val="95000"/>
+            <a:satMod val="170000"/>
+          </a:schemeClr>
+        </a:solidFill>
+        <a:gradFill rotWithShape="1">
+          <a:gsLst>
+            <a:gs pos="0">
+              <a:schemeClr val="phClr">
+                <a:tint val="93000"/>
+                <a:satMod val="150000"/>
+                <a:shade val="98000"/>
+                <a:lumMod val="102000"/>
+              </a:schemeClr>
+            </a:gs>
+            <a:gs pos="50000">
+              <a:schemeClr val="phClr">
+                <a:tint val="98000"/>
+                <a:satMod val="130000"/>
+                <a:shade val="90000"/>
+                <a:lumMod val="103000"/>
+              </a:schemeClr>
+            </a:gs>
+            <a:gs pos="100000">
+              <a:schemeClr val="phClr">
+                <a:shade val="63000"/>
+                <a:satMod val="120000"/>
+              </a:schemeClr>
+            </a:gs>
+          </a:gsLst>
+          <a:lin ang="5400000" scaled="0"/>
+        </a:gradFill>
+      </a:bgFillStyleLst>
+    </a:fmtScheme>
+  </a:themeElements>
+  <a:objectDefaults/>
+  <a:extraClrSchemeLst/>
+  <a:extLst>
+    <a:ext uri="{05A4C25C-085E-4340-85A3-A5531E510DB2}">
+      <thm15:themeFamily xmlns:thm15="http://schemas.microsoft.com/office/thememl/2012/main" name="Office Theme" id="{62F939B6-93AF-4DB8-9C6B-D6C7DFDC589F}" vid="{4A3C46E8-61CC-4603-A589-7422A47A8E4A}"/>
+    </a:ext>
+  </a:extLst>
+</a:theme>
 </file>
--- a/presentations/8 - The adventure begins.pptx
+++ b/presentations/8 - The adventure begins.pptx
@@ -203,7 +203,7 @@
           <a:p>
             <a:fld id="{F66424AC-637E-4C16-A5EC-04F4842B5A71}" type="datetimeFigureOut">
               <a:rPr lang="en-US" smtClean="0"/>
-              <a:t>11/14/2023</a:t>
+              <a:t>12/8/2023</a:t>
             </a:fld>
             <a:endParaRPr lang="en-US"/>
           </a:p>
@@ -532,19 +532,7 @@
             <a:endParaRPr lang="en-US" dirty="0"/>
           </a:p>
           <a:p>
-            <a:r>
-              <a:rPr lang="en-US" dirty="0"/>
-              <a:t>Funny that R is “statistical software” and this is the first real mention of statistics!  But R has all the statistics things</a:t>
-            </a:r>
-          </a:p>
-          <a:p>
             <a:endParaRPr lang="en-US" dirty="0"/>
-          </a:p>
-          <a:p>
-            <a:r>
-              <a:rPr lang="en-US" dirty="0"/>
-              <a:t>This is the index for the STATS package documentation, and actually … this is just the beginning of the A’s.  R has all the stats.</a:t>
-            </a:r>
           </a:p>
         </p:txBody>
       </p:sp>
@@ -565,7 +553,7 @@
           <a:p>
             <a:fld id="{C7D661A2-F486-4536-9EC3-8F3D924AC42C}" type="slidenum">
               <a:rPr lang="en-US" smtClean="0"/>
-              <a:t>2</a:t>
+              <a:t>1</a:t>
             </a:fld>
             <a:endParaRPr lang="en-US"/>
           </a:p>
@@ -574,7 +562,7 @@
     </p:spTree>
     <p:extLst>
       <p:ext uri="{BB962C8B-B14F-4D97-AF65-F5344CB8AC3E}">
-        <p14:creationId xmlns:p14="http://schemas.microsoft.com/office/powerpoint/2010/main" val="2358670663"/>
+        <p14:creationId xmlns:p14="http://schemas.microsoft.com/office/powerpoint/2010/main" val="1193027787"/>
       </p:ext>
     </p:extLst>
   </p:cSld>
@@ -630,7 +618,7 @@
           <a:p>
             <a:r>
               <a:rPr lang="en-US" dirty="0"/>
-              <a:t>R is actually great for simulation!  So as a simple example, here’s simulating the results from a simple mark-recapture experiment</a:t>
+              <a:t>Funny that R is “statistical software” and this is the first real mention of statistics!  But R has all the statistics things</a:t>
             </a:r>
           </a:p>
           <a:p>
@@ -639,25 +627,7 @@
           <a:p>
             <a:r>
               <a:rPr lang="en-US" dirty="0"/>
-              <a:t>So here we set the population size, and the sizes of both samples</a:t>
-            </a:r>
-          </a:p>
-          <a:p>
-            <a:endParaRPr lang="en-US" dirty="0"/>
-          </a:p>
-          <a:p>
-            <a:r>
-              <a:rPr lang="en-US" dirty="0"/>
-              <a:t>Then we can actually SIMULATE 10k replicates for the number of recaptures … this produces a vector, and we know how to math with these!!</a:t>
-            </a:r>
-          </a:p>
-          <a:p>
-            <a:endParaRPr lang="en-US" dirty="0"/>
-          </a:p>
-          <a:p>
-            <a:r>
-              <a:rPr lang="en-US" dirty="0"/>
-              <a:t>Note that this doesn’t replace our typical sample size methods, but I would argue that it’s useful to give yourself an idea of how things might turn out!</a:t>
+              <a:t>This is the index for the STATS package documentation, and actually … this is just the beginning of the A’s.  R has all the stats.</a:t>
             </a:r>
           </a:p>
         </p:txBody>
@@ -679,7 +649,7 @@
           <a:p>
             <a:fld id="{C7D661A2-F486-4536-9EC3-8F3D924AC42C}" type="slidenum">
               <a:rPr lang="en-US" smtClean="0"/>
-              <a:t>3</a:t>
+              <a:t>2</a:t>
             </a:fld>
             <a:endParaRPr lang="en-US"/>
           </a:p>
@@ -688,7 +658,7 @@
     </p:spTree>
     <p:extLst>
       <p:ext uri="{BB962C8B-B14F-4D97-AF65-F5344CB8AC3E}">
-        <p14:creationId xmlns:p14="http://schemas.microsoft.com/office/powerpoint/2010/main" val="2075686074"/>
+        <p14:creationId xmlns:p14="http://schemas.microsoft.com/office/powerpoint/2010/main" val="2358670663"/>
       </p:ext>
     </p:extLst>
   </p:cSld>
@@ -744,7 +714,7 @@
           <a:p>
             <a:r>
               <a:rPr lang="en-US" dirty="0"/>
-              <a:t>You can write your OWN functions and use them later, and here’s a simple example</a:t>
+              <a:t>R is actually great for simulation!  So as a simple example, here’s simulating the results from a simple mark-recapture experiment</a:t>
             </a:r>
           </a:p>
           <a:p>
@@ -753,25 +723,25 @@
           <a:p>
             <a:r>
               <a:rPr lang="en-US" dirty="0"/>
-              <a:t>It takes the sample sizes from each event and the number of recaptures as inputs (or ARGUMENTS) and returns the result!</a:t>
+              <a:t>So here we set the population size, and the sizes of both samples</a:t>
             </a:r>
           </a:p>
           <a:p>
             <a:endParaRPr lang="en-US" dirty="0"/>
           </a:p>
           <a:p>
+            <a:r>
+              <a:rPr lang="en-US" dirty="0"/>
+              <a:t>Then we can actually SIMULATE 10k replicates for the number of recaptures … this produces a vector, and we know how to math with these!!</a:t>
+            </a:r>
+          </a:p>
+          <a:p>
             <a:endParaRPr lang="en-US" dirty="0"/>
           </a:p>
           <a:p>
             <a:r>
               <a:rPr lang="en-US" dirty="0"/>
-              <a:t>Writing your own packages?? Yeah, you can do that too!  This can be for yourself… or for others ….</a:t>
-            </a:r>
-          </a:p>
-          <a:p>
-            <a:r>
-              <a:rPr lang="en-US" dirty="0"/>
-              <a:t>I’ve actually written a few packages, and published these on CRAN, which is the </a:t>
+              <a:t>Note that this doesn’t replace our typical sample size methods, but I would argue that it’s useful to give yourself an idea of how things might turn out!</a:t>
             </a:r>
           </a:p>
         </p:txBody>
@@ -793,7 +763,7 @@
           <a:p>
             <a:fld id="{C7D661A2-F486-4536-9EC3-8F3D924AC42C}" type="slidenum">
               <a:rPr lang="en-US" smtClean="0"/>
-              <a:t>4</a:t>
+              <a:t>3</a:t>
             </a:fld>
             <a:endParaRPr lang="en-US"/>
           </a:p>
@@ -802,7 +772,7 @@
     </p:spTree>
     <p:extLst>
       <p:ext uri="{BB962C8B-B14F-4D97-AF65-F5344CB8AC3E}">
-        <p14:creationId xmlns:p14="http://schemas.microsoft.com/office/powerpoint/2010/main" val="2277237715"/>
+        <p14:creationId xmlns:p14="http://schemas.microsoft.com/office/powerpoint/2010/main" val="2075686074"/>
       </p:ext>
     </p:extLst>
   </p:cSld>
@@ -858,7 +828,7 @@
           <a:p>
             <a:r>
               <a:rPr lang="en-US" dirty="0"/>
-              <a:t>And there’s all KINDS of cool algorithmic stuff that’s possible in R:</a:t>
+              <a:t>You can write your OWN functions and use them later, and here’s a simple example</a:t>
             </a:r>
           </a:p>
           <a:p>
@@ -867,7 +837,25 @@
           <a:p>
             <a:r>
               <a:rPr lang="en-US" dirty="0"/>
-              <a:t>A pretty powerful thing can be a loop…</a:t>
+              <a:t>It takes the sample sizes from each event and the number of recaptures as inputs (or ARGUMENTS) and returns the result!</a:t>
+            </a:r>
+          </a:p>
+          <a:p>
+            <a:endParaRPr lang="en-US" dirty="0"/>
+          </a:p>
+          <a:p>
+            <a:endParaRPr lang="en-US" dirty="0"/>
+          </a:p>
+          <a:p>
+            <a:r>
+              <a:rPr lang="en-US" dirty="0"/>
+              <a:t>Writing your own packages?? Yeah, you can do that too!  This can be for yourself… or for others ….</a:t>
+            </a:r>
+          </a:p>
+          <a:p>
+            <a:r>
+              <a:rPr lang="en-US" dirty="0"/>
+              <a:t>I’ve actually written a few packages, and published these on CRAN, which is the </a:t>
             </a:r>
           </a:p>
         </p:txBody>
@@ -889,7 +877,7 @@
           <a:p>
             <a:fld id="{C7D661A2-F486-4536-9EC3-8F3D924AC42C}" type="slidenum">
               <a:rPr lang="en-US" smtClean="0"/>
-              <a:t>5</a:t>
+              <a:t>4</a:t>
             </a:fld>
             <a:endParaRPr lang="en-US"/>
           </a:p>
@@ -898,7 +886,7 @@
     </p:spTree>
     <p:extLst>
       <p:ext uri="{BB962C8B-B14F-4D97-AF65-F5344CB8AC3E}">
-        <p14:creationId xmlns:p14="http://schemas.microsoft.com/office/powerpoint/2010/main" val="1115774155"/>
+        <p14:creationId xmlns:p14="http://schemas.microsoft.com/office/powerpoint/2010/main" val="2277237715"/>
       </p:ext>
     </p:extLst>
   </p:cSld>
@@ -954,6 +942,102 @@
           <a:p>
             <a:r>
               <a:rPr lang="en-US" dirty="0"/>
+              <a:t>And there’s all KINDS of cool algorithmic stuff that’s possible in R:</a:t>
+            </a:r>
+          </a:p>
+          <a:p>
+            <a:endParaRPr lang="en-US" dirty="0"/>
+          </a:p>
+          <a:p>
+            <a:r>
+              <a:rPr lang="en-US" dirty="0"/>
+              <a:t>A pretty powerful thing can be a loop…</a:t>
+            </a:r>
+          </a:p>
+        </p:txBody>
+      </p:sp>
+      <p:sp>
+        <p:nvSpPr>
+          <p:cNvPr id="4" name="Slide Number Placeholder 3"/>
+          <p:cNvSpPr>
+            <a:spLocks noGrp="1"/>
+          </p:cNvSpPr>
+          <p:nvPr>
+            <p:ph type="sldNum" sz="quarter" idx="5"/>
+          </p:nvPr>
+        </p:nvSpPr>
+        <p:spPr/>
+        <p:txBody>
+          <a:bodyPr/>
+          <a:lstStyle/>
+          <a:p>
+            <a:fld id="{C7D661A2-F486-4536-9EC3-8F3D924AC42C}" type="slidenum">
+              <a:rPr lang="en-US" smtClean="0"/>
+              <a:t>5</a:t>
+            </a:fld>
+            <a:endParaRPr lang="en-US"/>
+          </a:p>
+        </p:txBody>
+      </p:sp>
+    </p:spTree>
+    <p:extLst>
+      <p:ext uri="{BB962C8B-B14F-4D97-AF65-F5344CB8AC3E}">
+        <p14:creationId xmlns:p14="http://schemas.microsoft.com/office/powerpoint/2010/main" val="1115774155"/>
+      </p:ext>
+    </p:extLst>
+  </p:cSld>
+  <p:clrMapOvr>
+    <a:masterClrMapping/>
+  </p:clrMapOvr>
+</p:notes>
+</file>
+
+<file path=ppt/notesSlides/notesSlide6.xml><?xml version="1.0" encoding="utf-8"?>
+<p:notes xmlns:a="http://schemas.openxmlformats.org/drawingml/2006/main" xmlns:r="http://schemas.openxmlformats.org/officeDocument/2006/relationships" xmlns:p="http://schemas.openxmlformats.org/presentationml/2006/main">
+  <p:cSld>
+    <p:spTree>
+      <p:nvGrpSpPr>
+        <p:cNvPr id="1" name=""/>
+        <p:cNvGrpSpPr/>
+        <p:nvPr/>
+      </p:nvGrpSpPr>
+      <p:grpSpPr>
+        <a:xfrm>
+          <a:off x="0" y="0"/>
+          <a:ext cx="0" cy="0"/>
+          <a:chOff x="0" y="0"/>
+          <a:chExt cx="0" cy="0"/>
+        </a:xfrm>
+      </p:grpSpPr>
+      <p:sp>
+        <p:nvSpPr>
+          <p:cNvPr id="2" name="Slide Image Placeholder 1"/>
+          <p:cNvSpPr>
+            <a:spLocks noGrp="1" noRot="1" noChangeAspect="1"/>
+          </p:cNvSpPr>
+          <p:nvPr>
+            <p:ph type="sldImg"/>
+          </p:nvPr>
+        </p:nvSpPr>
+        <p:spPr/>
+      </p:sp>
+      <p:sp>
+        <p:nvSpPr>
+          <p:cNvPr id="3" name="Notes Placeholder 2"/>
+          <p:cNvSpPr>
+            <a:spLocks noGrp="1"/>
+          </p:cNvSpPr>
+          <p:nvPr>
+            <p:ph type="body" idx="1"/>
+          </p:nvPr>
+        </p:nvSpPr>
+        <p:spPr/>
+        <p:txBody>
+          <a:bodyPr/>
+          <a:lstStyle/>
+          <a:p>
+            <a:r>
+              <a:rPr lang="en-US" dirty="0"/>
               <a:t>And yes, you can GIS with R!  Check out this figure that Justin made (and I stole, </a:t>
             </a:r>
             <a:r>
@@ -1003,7 +1087,7 @@
 </p:notes>
 </file>
 
-<file path=ppt/notesSlides/notesSlide6.xml><?xml version="1.0" encoding="utf-8"?>
+<file path=ppt/notesSlides/notesSlide7.xml><?xml version="1.0" encoding="utf-8"?>
 <p:notes xmlns:a="http://schemas.openxmlformats.org/drawingml/2006/main" xmlns:r="http://schemas.openxmlformats.org/officeDocument/2006/relationships" xmlns:p="http://schemas.openxmlformats.org/presentationml/2006/main">
   <p:cSld>
     <p:spTree>
@@ -1241,7 +1325,7 @@
           <a:p>
             <a:fld id="{F9F57C4A-2F7E-45A6-9631-DF8F6C2C902F}" type="datetimeFigureOut">
               <a:rPr lang="en-US" smtClean="0"/>
-              <a:t>11/14/2023</a:t>
+              <a:t>12/8/2023</a:t>
             </a:fld>
             <a:endParaRPr lang="en-US"/>
           </a:p>
@@ -1439,7 +1523,7 @@
           <a:p>
             <a:fld id="{F9F57C4A-2F7E-45A6-9631-DF8F6C2C902F}" type="datetimeFigureOut">
               <a:rPr lang="en-US" smtClean="0"/>
-              <a:t>11/14/2023</a:t>
+              <a:t>12/8/2023</a:t>
             </a:fld>
             <a:endParaRPr lang="en-US"/>
           </a:p>
@@ -1647,7 +1731,7 @@
           <a:p>
             <a:fld id="{F9F57C4A-2F7E-45A6-9631-DF8F6C2C902F}" type="datetimeFigureOut">
               <a:rPr lang="en-US" smtClean="0"/>
-              <a:t>11/14/2023</a:t>
+              <a:t>12/8/2023</a:t>
             </a:fld>
             <a:endParaRPr lang="en-US"/>
           </a:p>
@@ -1845,7 +1929,7 @@
           <a:p>
             <a:fld id="{F9F57C4A-2F7E-45A6-9631-DF8F6C2C902F}" type="datetimeFigureOut">
               <a:rPr lang="en-US" smtClean="0"/>
-              <a:t>11/14/2023</a:t>
+              <a:t>12/8/2023</a:t>
             </a:fld>
             <a:endParaRPr lang="en-US"/>
           </a:p>
@@ -2120,7 +2204,7 @@
           <a:p>
             <a:fld id="{F9F57C4A-2F7E-45A6-9631-DF8F6C2C902F}" type="datetimeFigureOut">
               <a:rPr lang="en-US" smtClean="0"/>
-              <a:t>11/14/2023</a:t>
+              <a:t>12/8/2023</a:t>
             </a:fld>
             <a:endParaRPr lang="en-US"/>
           </a:p>
@@ -2385,7 +2469,7 @@
           <a:p>
             <a:fld id="{F9F57C4A-2F7E-45A6-9631-DF8F6C2C902F}" type="datetimeFigureOut">
               <a:rPr lang="en-US" smtClean="0"/>
-              <a:t>11/14/2023</a:t>
+              <a:t>12/8/2023</a:t>
             </a:fld>
             <a:endParaRPr lang="en-US"/>
           </a:p>
@@ -2797,7 +2881,7 @@
           <a:p>
             <a:fld id="{F9F57C4A-2F7E-45A6-9631-DF8F6C2C902F}" type="datetimeFigureOut">
               <a:rPr lang="en-US" smtClean="0"/>
-              <a:t>11/14/2023</a:t>
+              <a:t>12/8/2023</a:t>
             </a:fld>
             <a:endParaRPr lang="en-US"/>
           </a:p>
@@ -2938,7 +3022,7 @@
           <a:p>
             <a:fld id="{F9F57C4A-2F7E-45A6-9631-DF8F6C2C902F}" type="datetimeFigureOut">
               <a:rPr lang="en-US" smtClean="0"/>
-              <a:t>11/14/2023</a:t>
+              <a:t>12/8/2023</a:t>
             </a:fld>
             <a:endParaRPr lang="en-US"/>
           </a:p>
@@ -3051,7 +3135,7 @@
           <a:p>
             <a:fld id="{F9F57C4A-2F7E-45A6-9631-DF8F6C2C902F}" type="datetimeFigureOut">
               <a:rPr lang="en-US" smtClean="0"/>
-              <a:t>11/14/2023</a:t>
+              <a:t>12/8/2023</a:t>
             </a:fld>
             <a:endParaRPr lang="en-US"/>
           </a:p>
@@ -3362,7 +3446,7 @@
           <a:p>
             <a:fld id="{F9F57C4A-2F7E-45A6-9631-DF8F6C2C902F}" type="datetimeFigureOut">
               <a:rPr lang="en-US" smtClean="0"/>
-              <a:t>11/14/2023</a:t>
+              <a:t>12/8/2023</a:t>
             </a:fld>
             <a:endParaRPr lang="en-US"/>
           </a:p>
@@ -3650,7 +3734,7 @@
           <a:p>
             <a:fld id="{F9F57C4A-2F7E-45A6-9631-DF8F6C2C902F}" type="datetimeFigureOut">
               <a:rPr lang="en-US" smtClean="0"/>
-              <a:t>11/14/2023</a:t>
+              <a:t>12/8/2023</a:t>
             </a:fld>
             <a:endParaRPr lang="en-US"/>
           </a:p>
@@ -3891,7 +3975,7 @@
           <a:p>
             <a:fld id="{F9F57C4A-2F7E-45A6-9631-DF8F6C2C902F}" type="datetimeFigureOut">
               <a:rPr lang="en-US" smtClean="0"/>
-              <a:t>11/14/2023</a:t>
+              <a:t>12/8/2023</a:t>
             </a:fld>
             <a:endParaRPr lang="en-US"/>
           </a:p>
@@ -4324,12 +4408,22 @@
             <p:ph type="ctrTitle"/>
           </p:nvPr>
         </p:nvSpPr>
-        <p:spPr/>
-        <p:txBody>
-          <a:bodyPr/>
+        <p:spPr>
+          <a:xfrm>
+            <a:off x="1524000" y="631813"/>
+            <a:ext cx="9144000" cy="1080510"/>
+          </a:xfrm>
+        </p:spPr>
+        <p:txBody>
+          <a:bodyPr>
+            <a:normAutofit/>
+          </a:bodyPr>
           <a:lstStyle/>
           <a:p>
-            <a:endParaRPr lang="en-US"/>
+            <a:r>
+              <a:rPr lang="en-US" sz="4800" dirty="0"/>
+              <a:t>Intermediate / Advanced R topics</a:t>
+            </a:r>
           </a:p>
         </p:txBody>
       </p:sp>
@@ -4349,15 +4443,63 @@
             <p:ph type="subTitle" idx="1"/>
           </p:nvPr>
         </p:nvSpPr>
-        <p:spPr/>
-        <p:txBody>
-          <a:bodyPr/>
+        <p:spPr>
+          <a:xfrm>
+            <a:off x="1524000" y="2062204"/>
+            <a:ext cx="9144000" cy="1655762"/>
+          </a:xfrm>
+        </p:spPr>
+        <p:txBody>
+          <a:bodyPr>
+            <a:normAutofit/>
+          </a:bodyPr>
           <a:lstStyle/>
           <a:p>
-            <a:endParaRPr lang="en-US"/>
-          </a:p>
-        </p:txBody>
-      </p:sp>
+            <a:r>
+              <a:rPr lang="en-US" sz="2800" dirty="0"/>
+              <a:t>- The </a:t>
+            </a:r>
+            <a:r>
+              <a:rPr lang="en-US" sz="2800" dirty="0" err="1"/>
+              <a:t>adventu</a:t>
+            </a:r>
+            <a:r>
+              <a:rPr lang="en-US" sz="2800" dirty="0"/>
+              <a:t>{R}e begins! - </a:t>
+            </a:r>
+          </a:p>
+        </p:txBody>
+      </p:sp>
+      <p:pic>
+        <p:nvPicPr>
+          <p:cNvPr id="7" name="Picture 6">
+            <a:extLst>
+              <a:ext uri="{FF2B5EF4-FFF2-40B4-BE49-F238E27FC236}">
+                <a16:creationId xmlns:a16="http://schemas.microsoft.com/office/drawing/2014/main" id="{18865016-AA48-0BD7-711E-912ADF978880}"/>
+              </a:ext>
+            </a:extLst>
+          </p:cNvPr>
+          <p:cNvPicPr>
+            <a:picLocks noChangeAspect="1"/>
+          </p:cNvPicPr>
+          <p:nvPr/>
+        </p:nvPicPr>
+        <p:blipFill>
+          <a:blip r:embed="rId3"/>
+          <a:stretch>
+            <a:fillRect/>
+          </a:stretch>
+        </p:blipFill>
+        <p:spPr>
+          <a:xfrm>
+            <a:off x="4364345" y="2946293"/>
+            <a:ext cx="3463309" cy="3279894"/>
+          </a:xfrm>
+          <a:prstGeom prst="rect">
+            <a:avLst/>
+          </a:prstGeom>
+        </p:spPr>
+      </p:pic>
     </p:spTree>
     <p:extLst>
       <p:ext uri="{BB962C8B-B14F-4D97-AF65-F5344CB8AC3E}">
